--- a/resources/diagrams/Conexiones.pptx
+++ b/resources/diagrams/Conexiones.pptx
@@ -134,7 +134,7 @@
           <p:cNvPr id="2" name="Título 1">
             <a:extLst>
               <a:ext uri="{FF2B5EF4-FFF2-40B4-BE49-F238E27FC236}">
-                <a16:creationId xmlns:a16="http://schemas.microsoft.com/office/drawing/2014/main" id="{1DC53F36-1DA9-4774-8BEA-3BD5930526AF}"/>
+                <a16:creationId xmlns:a16="http://schemas.microsoft.com/office/drawing/2014/main" xmlns="" id="{1DC53F36-1DA9-4774-8BEA-3BD5930526AF}"/>
               </a:ext>
             </a:extLst>
           </p:cNvPr>
@@ -172,7 +172,7 @@
           <p:cNvPr id="3" name="Subtítulo 2">
             <a:extLst>
               <a:ext uri="{FF2B5EF4-FFF2-40B4-BE49-F238E27FC236}">
-                <a16:creationId xmlns:a16="http://schemas.microsoft.com/office/drawing/2014/main" id="{4D0BD5D7-1E4A-43E1-8ED1-7850F6046C51}"/>
+                <a16:creationId xmlns:a16="http://schemas.microsoft.com/office/drawing/2014/main" xmlns="" id="{4D0BD5D7-1E4A-43E1-8ED1-7850F6046C51}"/>
               </a:ext>
             </a:extLst>
           </p:cNvPr>
@@ -243,7 +243,7 @@
           <p:cNvPr id="4" name="Marcador de fecha 3">
             <a:extLst>
               <a:ext uri="{FF2B5EF4-FFF2-40B4-BE49-F238E27FC236}">
-                <a16:creationId xmlns:a16="http://schemas.microsoft.com/office/drawing/2014/main" id="{AFA35971-4A80-45EB-8816-5C8FD1D1AE1E}"/>
+                <a16:creationId xmlns:a16="http://schemas.microsoft.com/office/drawing/2014/main" xmlns="" id="{AFA35971-4A80-45EB-8816-5C8FD1D1AE1E}"/>
               </a:ext>
             </a:extLst>
           </p:cNvPr>
@@ -261,7 +261,7 @@
           <a:p>
             <a:fld id="{E9041833-5F87-4141-9A69-DFAC4DBD0622}" type="datetimeFigureOut">
               <a:rPr lang="es-AR" smtClean="0"/>
-              <a:t>9/10/2022</a:t>
+              <a:t>28/10/2022</a:t>
             </a:fld>
             <a:endParaRPr lang="es-AR"/>
           </a:p>
@@ -272,7 +272,7 @@
           <p:cNvPr id="5" name="Marcador de pie de página 4">
             <a:extLst>
               <a:ext uri="{FF2B5EF4-FFF2-40B4-BE49-F238E27FC236}">
-                <a16:creationId xmlns:a16="http://schemas.microsoft.com/office/drawing/2014/main" id="{BE7870AC-F978-494B-8626-31CCDBB53C4E}"/>
+                <a16:creationId xmlns:a16="http://schemas.microsoft.com/office/drawing/2014/main" xmlns="" id="{BE7870AC-F978-494B-8626-31CCDBB53C4E}"/>
               </a:ext>
             </a:extLst>
           </p:cNvPr>
@@ -297,7 +297,7 @@
           <p:cNvPr id="6" name="Marcador de número de diapositiva 5">
             <a:extLst>
               <a:ext uri="{FF2B5EF4-FFF2-40B4-BE49-F238E27FC236}">
-                <a16:creationId xmlns:a16="http://schemas.microsoft.com/office/drawing/2014/main" id="{C6378EE6-65CE-420A-B360-E3E8BE144FDD}"/>
+                <a16:creationId xmlns:a16="http://schemas.microsoft.com/office/drawing/2014/main" xmlns="" id="{C6378EE6-65CE-420A-B360-E3E8BE144FDD}"/>
               </a:ext>
             </a:extLst>
           </p:cNvPr>
@@ -356,7 +356,7 @@
           <p:cNvPr id="2" name="Título 1">
             <a:extLst>
               <a:ext uri="{FF2B5EF4-FFF2-40B4-BE49-F238E27FC236}">
-                <a16:creationId xmlns:a16="http://schemas.microsoft.com/office/drawing/2014/main" id="{BEEF192B-CF5D-4BF6-AD26-343F0474A0DA}"/>
+                <a16:creationId xmlns:a16="http://schemas.microsoft.com/office/drawing/2014/main" xmlns="" id="{BEEF192B-CF5D-4BF6-AD26-343F0474A0DA}"/>
               </a:ext>
             </a:extLst>
           </p:cNvPr>
@@ -385,7 +385,7 @@
           <p:cNvPr id="3" name="Marcador de texto vertical 2">
             <a:extLst>
               <a:ext uri="{FF2B5EF4-FFF2-40B4-BE49-F238E27FC236}">
-                <a16:creationId xmlns:a16="http://schemas.microsoft.com/office/drawing/2014/main" id="{4D75171D-3067-440F-B308-D6F480B7213B}"/>
+                <a16:creationId xmlns:a16="http://schemas.microsoft.com/office/drawing/2014/main" xmlns="" id="{4D75171D-3067-440F-B308-D6F480B7213B}"/>
               </a:ext>
             </a:extLst>
           </p:cNvPr>
@@ -443,7 +443,7 @@
           <p:cNvPr id="4" name="Marcador de fecha 3">
             <a:extLst>
               <a:ext uri="{FF2B5EF4-FFF2-40B4-BE49-F238E27FC236}">
-                <a16:creationId xmlns:a16="http://schemas.microsoft.com/office/drawing/2014/main" id="{9249852D-49E3-4741-BF4A-32F8A141572B}"/>
+                <a16:creationId xmlns:a16="http://schemas.microsoft.com/office/drawing/2014/main" xmlns="" id="{9249852D-49E3-4741-BF4A-32F8A141572B}"/>
               </a:ext>
             </a:extLst>
           </p:cNvPr>
@@ -461,7 +461,7 @@
           <a:p>
             <a:fld id="{E9041833-5F87-4141-9A69-DFAC4DBD0622}" type="datetimeFigureOut">
               <a:rPr lang="es-AR" smtClean="0"/>
-              <a:t>9/10/2022</a:t>
+              <a:t>28/10/2022</a:t>
             </a:fld>
             <a:endParaRPr lang="es-AR"/>
           </a:p>
@@ -472,7 +472,7 @@
           <p:cNvPr id="5" name="Marcador de pie de página 4">
             <a:extLst>
               <a:ext uri="{FF2B5EF4-FFF2-40B4-BE49-F238E27FC236}">
-                <a16:creationId xmlns:a16="http://schemas.microsoft.com/office/drawing/2014/main" id="{5D6EC068-6462-44F9-A63F-1435E40FA10B}"/>
+                <a16:creationId xmlns:a16="http://schemas.microsoft.com/office/drawing/2014/main" xmlns="" id="{5D6EC068-6462-44F9-A63F-1435E40FA10B}"/>
               </a:ext>
             </a:extLst>
           </p:cNvPr>
@@ -497,7 +497,7 @@
           <p:cNvPr id="6" name="Marcador de número de diapositiva 5">
             <a:extLst>
               <a:ext uri="{FF2B5EF4-FFF2-40B4-BE49-F238E27FC236}">
-                <a16:creationId xmlns:a16="http://schemas.microsoft.com/office/drawing/2014/main" id="{1D8D86C0-818B-4824-A37B-863E1EBBB194}"/>
+                <a16:creationId xmlns:a16="http://schemas.microsoft.com/office/drawing/2014/main" xmlns="" id="{1D8D86C0-818B-4824-A37B-863E1EBBB194}"/>
               </a:ext>
             </a:extLst>
           </p:cNvPr>
@@ -556,7 +556,7 @@
           <p:cNvPr id="2" name="Título vertical 1">
             <a:extLst>
               <a:ext uri="{FF2B5EF4-FFF2-40B4-BE49-F238E27FC236}">
-                <a16:creationId xmlns:a16="http://schemas.microsoft.com/office/drawing/2014/main" id="{2D534C62-3548-4C57-A2EA-A9FF80C4A84D}"/>
+                <a16:creationId xmlns:a16="http://schemas.microsoft.com/office/drawing/2014/main" xmlns="" id="{2D534C62-3548-4C57-A2EA-A9FF80C4A84D}"/>
               </a:ext>
             </a:extLst>
           </p:cNvPr>
@@ -590,7 +590,7 @@
           <p:cNvPr id="3" name="Marcador de texto vertical 2">
             <a:extLst>
               <a:ext uri="{FF2B5EF4-FFF2-40B4-BE49-F238E27FC236}">
-                <a16:creationId xmlns:a16="http://schemas.microsoft.com/office/drawing/2014/main" id="{C9ADCEB7-7450-4560-AB3B-B945744B30F3}"/>
+                <a16:creationId xmlns:a16="http://schemas.microsoft.com/office/drawing/2014/main" xmlns="" id="{C9ADCEB7-7450-4560-AB3B-B945744B30F3}"/>
               </a:ext>
             </a:extLst>
           </p:cNvPr>
@@ -653,7 +653,7 @@
           <p:cNvPr id="4" name="Marcador de fecha 3">
             <a:extLst>
               <a:ext uri="{FF2B5EF4-FFF2-40B4-BE49-F238E27FC236}">
-                <a16:creationId xmlns:a16="http://schemas.microsoft.com/office/drawing/2014/main" id="{46FE3BEE-A4A6-4026-AB4F-A158F64424E0}"/>
+                <a16:creationId xmlns:a16="http://schemas.microsoft.com/office/drawing/2014/main" xmlns="" id="{46FE3BEE-A4A6-4026-AB4F-A158F64424E0}"/>
               </a:ext>
             </a:extLst>
           </p:cNvPr>
@@ -671,7 +671,7 @@
           <a:p>
             <a:fld id="{E9041833-5F87-4141-9A69-DFAC4DBD0622}" type="datetimeFigureOut">
               <a:rPr lang="es-AR" smtClean="0"/>
-              <a:t>9/10/2022</a:t>
+              <a:t>28/10/2022</a:t>
             </a:fld>
             <a:endParaRPr lang="es-AR"/>
           </a:p>
@@ -682,7 +682,7 @@
           <p:cNvPr id="5" name="Marcador de pie de página 4">
             <a:extLst>
               <a:ext uri="{FF2B5EF4-FFF2-40B4-BE49-F238E27FC236}">
-                <a16:creationId xmlns:a16="http://schemas.microsoft.com/office/drawing/2014/main" id="{712B1D85-865D-4A64-B775-FC88F47254DF}"/>
+                <a16:creationId xmlns:a16="http://schemas.microsoft.com/office/drawing/2014/main" xmlns="" id="{712B1D85-865D-4A64-B775-FC88F47254DF}"/>
               </a:ext>
             </a:extLst>
           </p:cNvPr>
@@ -707,7 +707,7 @@
           <p:cNvPr id="6" name="Marcador de número de diapositiva 5">
             <a:extLst>
               <a:ext uri="{FF2B5EF4-FFF2-40B4-BE49-F238E27FC236}">
-                <a16:creationId xmlns:a16="http://schemas.microsoft.com/office/drawing/2014/main" id="{044731AF-7E0F-43C4-8B88-CAC587BF6210}"/>
+                <a16:creationId xmlns:a16="http://schemas.microsoft.com/office/drawing/2014/main" xmlns="" id="{044731AF-7E0F-43C4-8B88-CAC587BF6210}"/>
               </a:ext>
             </a:extLst>
           </p:cNvPr>
@@ -766,7 +766,7 @@
           <p:cNvPr id="2" name="Título 1">
             <a:extLst>
               <a:ext uri="{FF2B5EF4-FFF2-40B4-BE49-F238E27FC236}">
-                <a16:creationId xmlns:a16="http://schemas.microsoft.com/office/drawing/2014/main" id="{74F7C555-0D26-46ED-A558-9253CC286259}"/>
+                <a16:creationId xmlns:a16="http://schemas.microsoft.com/office/drawing/2014/main" xmlns="" id="{74F7C555-0D26-46ED-A558-9253CC286259}"/>
               </a:ext>
             </a:extLst>
           </p:cNvPr>
@@ -795,7 +795,7 @@
           <p:cNvPr id="3" name="Marcador de contenido 2">
             <a:extLst>
               <a:ext uri="{FF2B5EF4-FFF2-40B4-BE49-F238E27FC236}">
-                <a16:creationId xmlns:a16="http://schemas.microsoft.com/office/drawing/2014/main" id="{942BA5C9-C137-4910-AFE0-72300694FE6B}"/>
+                <a16:creationId xmlns:a16="http://schemas.microsoft.com/office/drawing/2014/main" xmlns="" id="{942BA5C9-C137-4910-AFE0-72300694FE6B}"/>
               </a:ext>
             </a:extLst>
           </p:cNvPr>
@@ -853,7 +853,7 @@
           <p:cNvPr id="4" name="Marcador de fecha 3">
             <a:extLst>
               <a:ext uri="{FF2B5EF4-FFF2-40B4-BE49-F238E27FC236}">
-                <a16:creationId xmlns:a16="http://schemas.microsoft.com/office/drawing/2014/main" id="{29C18E6E-7341-43D2-92BA-A2897C5F0B45}"/>
+                <a16:creationId xmlns:a16="http://schemas.microsoft.com/office/drawing/2014/main" xmlns="" id="{29C18E6E-7341-43D2-92BA-A2897C5F0B45}"/>
               </a:ext>
             </a:extLst>
           </p:cNvPr>
@@ -871,7 +871,7 @@
           <a:p>
             <a:fld id="{E9041833-5F87-4141-9A69-DFAC4DBD0622}" type="datetimeFigureOut">
               <a:rPr lang="es-AR" smtClean="0"/>
-              <a:t>9/10/2022</a:t>
+              <a:t>28/10/2022</a:t>
             </a:fld>
             <a:endParaRPr lang="es-AR"/>
           </a:p>
@@ -882,7 +882,7 @@
           <p:cNvPr id="5" name="Marcador de pie de página 4">
             <a:extLst>
               <a:ext uri="{FF2B5EF4-FFF2-40B4-BE49-F238E27FC236}">
-                <a16:creationId xmlns:a16="http://schemas.microsoft.com/office/drawing/2014/main" id="{BECF8D8E-9FDF-43AB-9657-0C0F83A3986A}"/>
+                <a16:creationId xmlns:a16="http://schemas.microsoft.com/office/drawing/2014/main" xmlns="" id="{BECF8D8E-9FDF-43AB-9657-0C0F83A3986A}"/>
               </a:ext>
             </a:extLst>
           </p:cNvPr>
@@ -907,7 +907,7 @@
           <p:cNvPr id="6" name="Marcador de número de diapositiva 5">
             <a:extLst>
               <a:ext uri="{FF2B5EF4-FFF2-40B4-BE49-F238E27FC236}">
-                <a16:creationId xmlns:a16="http://schemas.microsoft.com/office/drawing/2014/main" id="{0CC74212-B191-4C0C-B2CA-6ECCAB9F8C5D}"/>
+                <a16:creationId xmlns:a16="http://schemas.microsoft.com/office/drawing/2014/main" xmlns="" id="{0CC74212-B191-4C0C-B2CA-6ECCAB9F8C5D}"/>
               </a:ext>
             </a:extLst>
           </p:cNvPr>
@@ -966,7 +966,7 @@
           <p:cNvPr id="2" name="Título 1">
             <a:extLst>
               <a:ext uri="{FF2B5EF4-FFF2-40B4-BE49-F238E27FC236}">
-                <a16:creationId xmlns:a16="http://schemas.microsoft.com/office/drawing/2014/main" id="{549ED380-E539-4DF3-A89C-533126265E94}"/>
+                <a16:creationId xmlns:a16="http://schemas.microsoft.com/office/drawing/2014/main" xmlns="" id="{549ED380-E539-4DF3-A89C-533126265E94}"/>
               </a:ext>
             </a:extLst>
           </p:cNvPr>
@@ -1004,7 +1004,7 @@
           <p:cNvPr id="3" name="Marcador de texto 2">
             <a:extLst>
               <a:ext uri="{FF2B5EF4-FFF2-40B4-BE49-F238E27FC236}">
-                <a16:creationId xmlns:a16="http://schemas.microsoft.com/office/drawing/2014/main" id="{0EE37A21-9CF9-4403-92F3-81EFDD5D9D54}"/>
+                <a16:creationId xmlns:a16="http://schemas.microsoft.com/office/drawing/2014/main" xmlns="" id="{0EE37A21-9CF9-4403-92F3-81EFDD5D9D54}"/>
               </a:ext>
             </a:extLst>
           </p:cNvPr>
@@ -1129,7 +1129,7 @@
           <p:cNvPr id="4" name="Marcador de fecha 3">
             <a:extLst>
               <a:ext uri="{FF2B5EF4-FFF2-40B4-BE49-F238E27FC236}">
-                <a16:creationId xmlns:a16="http://schemas.microsoft.com/office/drawing/2014/main" id="{9A52D6B2-7062-49A9-A994-DD215CC9A69A}"/>
+                <a16:creationId xmlns:a16="http://schemas.microsoft.com/office/drawing/2014/main" xmlns="" id="{9A52D6B2-7062-49A9-A994-DD215CC9A69A}"/>
               </a:ext>
             </a:extLst>
           </p:cNvPr>
@@ -1147,7 +1147,7 @@
           <a:p>
             <a:fld id="{E9041833-5F87-4141-9A69-DFAC4DBD0622}" type="datetimeFigureOut">
               <a:rPr lang="es-AR" smtClean="0"/>
-              <a:t>9/10/2022</a:t>
+              <a:t>28/10/2022</a:t>
             </a:fld>
             <a:endParaRPr lang="es-AR"/>
           </a:p>
@@ -1158,7 +1158,7 @@
           <p:cNvPr id="5" name="Marcador de pie de página 4">
             <a:extLst>
               <a:ext uri="{FF2B5EF4-FFF2-40B4-BE49-F238E27FC236}">
-                <a16:creationId xmlns:a16="http://schemas.microsoft.com/office/drawing/2014/main" id="{BE4A0935-382C-4CF6-9D30-C0F25EBF6351}"/>
+                <a16:creationId xmlns:a16="http://schemas.microsoft.com/office/drawing/2014/main" xmlns="" id="{BE4A0935-382C-4CF6-9D30-C0F25EBF6351}"/>
               </a:ext>
             </a:extLst>
           </p:cNvPr>
@@ -1183,7 +1183,7 @@
           <p:cNvPr id="6" name="Marcador de número de diapositiva 5">
             <a:extLst>
               <a:ext uri="{FF2B5EF4-FFF2-40B4-BE49-F238E27FC236}">
-                <a16:creationId xmlns:a16="http://schemas.microsoft.com/office/drawing/2014/main" id="{ACCE2A4A-3A7E-45C3-8DD4-F2D08D8035E6}"/>
+                <a16:creationId xmlns:a16="http://schemas.microsoft.com/office/drawing/2014/main" xmlns="" id="{ACCE2A4A-3A7E-45C3-8DD4-F2D08D8035E6}"/>
               </a:ext>
             </a:extLst>
           </p:cNvPr>
@@ -1242,7 +1242,7 @@
           <p:cNvPr id="2" name="Título 1">
             <a:extLst>
               <a:ext uri="{FF2B5EF4-FFF2-40B4-BE49-F238E27FC236}">
-                <a16:creationId xmlns:a16="http://schemas.microsoft.com/office/drawing/2014/main" id="{25BEA489-C41D-4EAC-96CB-A38178E38989}"/>
+                <a16:creationId xmlns:a16="http://schemas.microsoft.com/office/drawing/2014/main" xmlns="" id="{25BEA489-C41D-4EAC-96CB-A38178E38989}"/>
               </a:ext>
             </a:extLst>
           </p:cNvPr>
@@ -1271,7 +1271,7 @@
           <p:cNvPr id="3" name="Marcador de contenido 2">
             <a:extLst>
               <a:ext uri="{FF2B5EF4-FFF2-40B4-BE49-F238E27FC236}">
-                <a16:creationId xmlns:a16="http://schemas.microsoft.com/office/drawing/2014/main" id="{E0C5BEE5-B615-422C-99A5-355A080AFEF3}"/>
+                <a16:creationId xmlns:a16="http://schemas.microsoft.com/office/drawing/2014/main" xmlns="" id="{E0C5BEE5-B615-422C-99A5-355A080AFEF3}"/>
               </a:ext>
             </a:extLst>
           </p:cNvPr>
@@ -1334,7 +1334,7 @@
           <p:cNvPr id="4" name="Marcador de contenido 3">
             <a:extLst>
               <a:ext uri="{FF2B5EF4-FFF2-40B4-BE49-F238E27FC236}">
-                <a16:creationId xmlns:a16="http://schemas.microsoft.com/office/drawing/2014/main" id="{01CE6B80-4066-4EF4-828A-E85F982EE846}"/>
+                <a16:creationId xmlns:a16="http://schemas.microsoft.com/office/drawing/2014/main" xmlns="" id="{01CE6B80-4066-4EF4-828A-E85F982EE846}"/>
               </a:ext>
             </a:extLst>
           </p:cNvPr>
@@ -1397,7 +1397,7 @@
           <p:cNvPr id="5" name="Marcador de fecha 4">
             <a:extLst>
               <a:ext uri="{FF2B5EF4-FFF2-40B4-BE49-F238E27FC236}">
-                <a16:creationId xmlns:a16="http://schemas.microsoft.com/office/drawing/2014/main" id="{26F14F42-B494-47D1-8336-E2EA8C24E788}"/>
+                <a16:creationId xmlns:a16="http://schemas.microsoft.com/office/drawing/2014/main" xmlns="" id="{26F14F42-B494-47D1-8336-E2EA8C24E788}"/>
               </a:ext>
             </a:extLst>
           </p:cNvPr>
@@ -1415,7 +1415,7 @@
           <a:p>
             <a:fld id="{E9041833-5F87-4141-9A69-DFAC4DBD0622}" type="datetimeFigureOut">
               <a:rPr lang="es-AR" smtClean="0"/>
-              <a:t>9/10/2022</a:t>
+              <a:t>28/10/2022</a:t>
             </a:fld>
             <a:endParaRPr lang="es-AR"/>
           </a:p>
@@ -1426,7 +1426,7 @@
           <p:cNvPr id="6" name="Marcador de pie de página 5">
             <a:extLst>
               <a:ext uri="{FF2B5EF4-FFF2-40B4-BE49-F238E27FC236}">
-                <a16:creationId xmlns:a16="http://schemas.microsoft.com/office/drawing/2014/main" id="{BBBBC3BE-6989-4766-8416-13D09FED1232}"/>
+                <a16:creationId xmlns:a16="http://schemas.microsoft.com/office/drawing/2014/main" xmlns="" id="{BBBBC3BE-6989-4766-8416-13D09FED1232}"/>
               </a:ext>
             </a:extLst>
           </p:cNvPr>
@@ -1451,7 +1451,7 @@
           <p:cNvPr id="7" name="Marcador de número de diapositiva 6">
             <a:extLst>
               <a:ext uri="{FF2B5EF4-FFF2-40B4-BE49-F238E27FC236}">
-                <a16:creationId xmlns:a16="http://schemas.microsoft.com/office/drawing/2014/main" id="{8242E64E-5199-46BC-91FF-B32D6B09AC15}"/>
+                <a16:creationId xmlns:a16="http://schemas.microsoft.com/office/drawing/2014/main" xmlns="" id="{8242E64E-5199-46BC-91FF-B32D6B09AC15}"/>
               </a:ext>
             </a:extLst>
           </p:cNvPr>
@@ -1510,7 +1510,7 @@
           <p:cNvPr id="2" name="Título 1">
             <a:extLst>
               <a:ext uri="{FF2B5EF4-FFF2-40B4-BE49-F238E27FC236}">
-                <a16:creationId xmlns:a16="http://schemas.microsoft.com/office/drawing/2014/main" id="{600E4A1E-5CEB-4432-B2A5-702CA75DD303}"/>
+                <a16:creationId xmlns:a16="http://schemas.microsoft.com/office/drawing/2014/main" xmlns="" id="{600E4A1E-5CEB-4432-B2A5-702CA75DD303}"/>
               </a:ext>
             </a:extLst>
           </p:cNvPr>
@@ -1544,7 +1544,7 @@
           <p:cNvPr id="3" name="Marcador de texto 2">
             <a:extLst>
               <a:ext uri="{FF2B5EF4-FFF2-40B4-BE49-F238E27FC236}">
-                <a16:creationId xmlns:a16="http://schemas.microsoft.com/office/drawing/2014/main" id="{FC487B98-24B0-4517-A9F8-4BB1E41C8EE7}"/>
+                <a16:creationId xmlns:a16="http://schemas.microsoft.com/office/drawing/2014/main" xmlns="" id="{FC487B98-24B0-4517-A9F8-4BB1E41C8EE7}"/>
               </a:ext>
             </a:extLst>
           </p:cNvPr>
@@ -1615,7 +1615,7 @@
           <p:cNvPr id="4" name="Marcador de contenido 3">
             <a:extLst>
               <a:ext uri="{FF2B5EF4-FFF2-40B4-BE49-F238E27FC236}">
-                <a16:creationId xmlns:a16="http://schemas.microsoft.com/office/drawing/2014/main" id="{CD8BDAC1-D746-4B84-9048-FD99C0322599}"/>
+                <a16:creationId xmlns:a16="http://schemas.microsoft.com/office/drawing/2014/main" xmlns="" id="{CD8BDAC1-D746-4B84-9048-FD99C0322599}"/>
               </a:ext>
             </a:extLst>
           </p:cNvPr>
@@ -1678,7 +1678,7 @@
           <p:cNvPr id="5" name="Marcador de texto 4">
             <a:extLst>
               <a:ext uri="{FF2B5EF4-FFF2-40B4-BE49-F238E27FC236}">
-                <a16:creationId xmlns:a16="http://schemas.microsoft.com/office/drawing/2014/main" id="{BA370285-61E7-4E9C-914E-5C8D7DB42D2E}"/>
+                <a16:creationId xmlns:a16="http://schemas.microsoft.com/office/drawing/2014/main" xmlns="" id="{BA370285-61E7-4E9C-914E-5C8D7DB42D2E}"/>
               </a:ext>
             </a:extLst>
           </p:cNvPr>
@@ -1749,7 +1749,7 @@
           <p:cNvPr id="6" name="Marcador de contenido 5">
             <a:extLst>
               <a:ext uri="{FF2B5EF4-FFF2-40B4-BE49-F238E27FC236}">
-                <a16:creationId xmlns:a16="http://schemas.microsoft.com/office/drawing/2014/main" id="{8247987D-8583-45A6-9C11-FCF1C9881B08}"/>
+                <a16:creationId xmlns:a16="http://schemas.microsoft.com/office/drawing/2014/main" xmlns="" id="{8247987D-8583-45A6-9C11-FCF1C9881B08}"/>
               </a:ext>
             </a:extLst>
           </p:cNvPr>
@@ -1812,7 +1812,7 @@
           <p:cNvPr id="7" name="Marcador de fecha 6">
             <a:extLst>
               <a:ext uri="{FF2B5EF4-FFF2-40B4-BE49-F238E27FC236}">
-                <a16:creationId xmlns:a16="http://schemas.microsoft.com/office/drawing/2014/main" id="{1DAA7DFB-42F7-4FF0-87D1-D2654BDBD99E}"/>
+                <a16:creationId xmlns:a16="http://schemas.microsoft.com/office/drawing/2014/main" xmlns="" id="{1DAA7DFB-42F7-4FF0-87D1-D2654BDBD99E}"/>
               </a:ext>
             </a:extLst>
           </p:cNvPr>
@@ -1830,7 +1830,7 @@
           <a:p>
             <a:fld id="{E9041833-5F87-4141-9A69-DFAC4DBD0622}" type="datetimeFigureOut">
               <a:rPr lang="es-AR" smtClean="0"/>
-              <a:t>9/10/2022</a:t>
+              <a:t>28/10/2022</a:t>
             </a:fld>
             <a:endParaRPr lang="es-AR"/>
           </a:p>
@@ -1841,7 +1841,7 @@
           <p:cNvPr id="8" name="Marcador de pie de página 7">
             <a:extLst>
               <a:ext uri="{FF2B5EF4-FFF2-40B4-BE49-F238E27FC236}">
-                <a16:creationId xmlns:a16="http://schemas.microsoft.com/office/drawing/2014/main" id="{0E2DCEC2-176C-47F8-B517-C7FFAC1EBBDD}"/>
+                <a16:creationId xmlns:a16="http://schemas.microsoft.com/office/drawing/2014/main" xmlns="" id="{0E2DCEC2-176C-47F8-B517-C7FFAC1EBBDD}"/>
               </a:ext>
             </a:extLst>
           </p:cNvPr>
@@ -1866,7 +1866,7 @@
           <p:cNvPr id="9" name="Marcador de número de diapositiva 8">
             <a:extLst>
               <a:ext uri="{FF2B5EF4-FFF2-40B4-BE49-F238E27FC236}">
-                <a16:creationId xmlns:a16="http://schemas.microsoft.com/office/drawing/2014/main" id="{BD4267B5-8B52-4343-A094-5BE9FE4E9235}"/>
+                <a16:creationId xmlns:a16="http://schemas.microsoft.com/office/drawing/2014/main" xmlns="" id="{BD4267B5-8B52-4343-A094-5BE9FE4E9235}"/>
               </a:ext>
             </a:extLst>
           </p:cNvPr>
@@ -1925,7 +1925,7 @@
           <p:cNvPr id="2" name="Título 1">
             <a:extLst>
               <a:ext uri="{FF2B5EF4-FFF2-40B4-BE49-F238E27FC236}">
-                <a16:creationId xmlns:a16="http://schemas.microsoft.com/office/drawing/2014/main" id="{EFFCBD30-AED5-4B99-82E9-2DB079054620}"/>
+                <a16:creationId xmlns:a16="http://schemas.microsoft.com/office/drawing/2014/main" xmlns="" id="{EFFCBD30-AED5-4B99-82E9-2DB079054620}"/>
               </a:ext>
             </a:extLst>
           </p:cNvPr>
@@ -1954,7 +1954,7 @@
           <p:cNvPr id="3" name="Marcador de fecha 2">
             <a:extLst>
               <a:ext uri="{FF2B5EF4-FFF2-40B4-BE49-F238E27FC236}">
-                <a16:creationId xmlns:a16="http://schemas.microsoft.com/office/drawing/2014/main" id="{6D8D4968-6DDF-40A5-8275-9ECE296540A2}"/>
+                <a16:creationId xmlns:a16="http://schemas.microsoft.com/office/drawing/2014/main" xmlns="" id="{6D8D4968-6DDF-40A5-8275-9ECE296540A2}"/>
               </a:ext>
             </a:extLst>
           </p:cNvPr>
@@ -1972,7 +1972,7 @@
           <a:p>
             <a:fld id="{E9041833-5F87-4141-9A69-DFAC4DBD0622}" type="datetimeFigureOut">
               <a:rPr lang="es-AR" smtClean="0"/>
-              <a:t>9/10/2022</a:t>
+              <a:t>28/10/2022</a:t>
             </a:fld>
             <a:endParaRPr lang="es-AR"/>
           </a:p>
@@ -1983,7 +1983,7 @@
           <p:cNvPr id="4" name="Marcador de pie de página 3">
             <a:extLst>
               <a:ext uri="{FF2B5EF4-FFF2-40B4-BE49-F238E27FC236}">
-                <a16:creationId xmlns:a16="http://schemas.microsoft.com/office/drawing/2014/main" id="{CA82C975-EB3F-496D-B5BC-AA45943EF977}"/>
+                <a16:creationId xmlns:a16="http://schemas.microsoft.com/office/drawing/2014/main" xmlns="" id="{CA82C975-EB3F-496D-B5BC-AA45943EF977}"/>
               </a:ext>
             </a:extLst>
           </p:cNvPr>
@@ -2008,7 +2008,7 @@
           <p:cNvPr id="5" name="Marcador de número de diapositiva 4">
             <a:extLst>
               <a:ext uri="{FF2B5EF4-FFF2-40B4-BE49-F238E27FC236}">
-                <a16:creationId xmlns:a16="http://schemas.microsoft.com/office/drawing/2014/main" id="{CBF66EA7-EC59-4AF8-91EC-893821AF2D87}"/>
+                <a16:creationId xmlns:a16="http://schemas.microsoft.com/office/drawing/2014/main" xmlns="" id="{CBF66EA7-EC59-4AF8-91EC-893821AF2D87}"/>
               </a:ext>
             </a:extLst>
           </p:cNvPr>
@@ -2067,7 +2067,7 @@
           <p:cNvPr id="2" name="Marcador de fecha 1">
             <a:extLst>
               <a:ext uri="{FF2B5EF4-FFF2-40B4-BE49-F238E27FC236}">
-                <a16:creationId xmlns:a16="http://schemas.microsoft.com/office/drawing/2014/main" id="{17A5C8D1-3272-4149-AC4A-9C34BBE7AB85}"/>
+                <a16:creationId xmlns:a16="http://schemas.microsoft.com/office/drawing/2014/main" xmlns="" id="{17A5C8D1-3272-4149-AC4A-9C34BBE7AB85}"/>
               </a:ext>
             </a:extLst>
           </p:cNvPr>
@@ -2085,7 +2085,7 @@
           <a:p>
             <a:fld id="{E9041833-5F87-4141-9A69-DFAC4DBD0622}" type="datetimeFigureOut">
               <a:rPr lang="es-AR" smtClean="0"/>
-              <a:t>9/10/2022</a:t>
+              <a:t>28/10/2022</a:t>
             </a:fld>
             <a:endParaRPr lang="es-AR"/>
           </a:p>
@@ -2096,7 +2096,7 @@
           <p:cNvPr id="3" name="Marcador de pie de página 2">
             <a:extLst>
               <a:ext uri="{FF2B5EF4-FFF2-40B4-BE49-F238E27FC236}">
-                <a16:creationId xmlns:a16="http://schemas.microsoft.com/office/drawing/2014/main" id="{A42E5B06-B4ED-4719-A6F6-0B51F1E67E3B}"/>
+                <a16:creationId xmlns:a16="http://schemas.microsoft.com/office/drawing/2014/main" xmlns="" id="{A42E5B06-B4ED-4719-A6F6-0B51F1E67E3B}"/>
               </a:ext>
             </a:extLst>
           </p:cNvPr>
@@ -2121,7 +2121,7 @@
           <p:cNvPr id="4" name="Marcador de número de diapositiva 3">
             <a:extLst>
               <a:ext uri="{FF2B5EF4-FFF2-40B4-BE49-F238E27FC236}">
-                <a16:creationId xmlns:a16="http://schemas.microsoft.com/office/drawing/2014/main" id="{25B64FB2-C0E4-4EDB-8F62-C911702CA07B}"/>
+                <a16:creationId xmlns:a16="http://schemas.microsoft.com/office/drawing/2014/main" xmlns="" id="{25B64FB2-C0E4-4EDB-8F62-C911702CA07B}"/>
               </a:ext>
             </a:extLst>
           </p:cNvPr>
@@ -2180,7 +2180,7 @@
           <p:cNvPr id="2" name="Título 1">
             <a:extLst>
               <a:ext uri="{FF2B5EF4-FFF2-40B4-BE49-F238E27FC236}">
-                <a16:creationId xmlns:a16="http://schemas.microsoft.com/office/drawing/2014/main" id="{AFBFA4DE-D495-4201-BE9D-74FEA56590D2}"/>
+                <a16:creationId xmlns:a16="http://schemas.microsoft.com/office/drawing/2014/main" xmlns="" id="{AFBFA4DE-D495-4201-BE9D-74FEA56590D2}"/>
               </a:ext>
             </a:extLst>
           </p:cNvPr>
@@ -2218,7 +2218,7 @@
           <p:cNvPr id="3" name="Marcador de contenido 2">
             <a:extLst>
               <a:ext uri="{FF2B5EF4-FFF2-40B4-BE49-F238E27FC236}">
-                <a16:creationId xmlns:a16="http://schemas.microsoft.com/office/drawing/2014/main" id="{CBD552D0-E699-4208-B731-D60CC1B4E845}"/>
+                <a16:creationId xmlns:a16="http://schemas.microsoft.com/office/drawing/2014/main" xmlns="" id="{CBD552D0-E699-4208-B731-D60CC1B4E845}"/>
               </a:ext>
             </a:extLst>
           </p:cNvPr>
@@ -2309,7 +2309,7 @@
           <p:cNvPr id="4" name="Marcador de texto 3">
             <a:extLst>
               <a:ext uri="{FF2B5EF4-FFF2-40B4-BE49-F238E27FC236}">
-                <a16:creationId xmlns:a16="http://schemas.microsoft.com/office/drawing/2014/main" id="{0FCE252D-FD43-476A-8855-C83EC0C8D841}"/>
+                <a16:creationId xmlns:a16="http://schemas.microsoft.com/office/drawing/2014/main" xmlns="" id="{0FCE252D-FD43-476A-8855-C83EC0C8D841}"/>
               </a:ext>
             </a:extLst>
           </p:cNvPr>
@@ -2380,7 +2380,7 @@
           <p:cNvPr id="5" name="Marcador de fecha 4">
             <a:extLst>
               <a:ext uri="{FF2B5EF4-FFF2-40B4-BE49-F238E27FC236}">
-                <a16:creationId xmlns:a16="http://schemas.microsoft.com/office/drawing/2014/main" id="{CBCA9157-3340-4047-A7D1-3AC8E721BA64}"/>
+                <a16:creationId xmlns:a16="http://schemas.microsoft.com/office/drawing/2014/main" xmlns="" id="{CBCA9157-3340-4047-A7D1-3AC8E721BA64}"/>
               </a:ext>
             </a:extLst>
           </p:cNvPr>
@@ -2398,7 +2398,7 @@
           <a:p>
             <a:fld id="{E9041833-5F87-4141-9A69-DFAC4DBD0622}" type="datetimeFigureOut">
               <a:rPr lang="es-AR" smtClean="0"/>
-              <a:t>9/10/2022</a:t>
+              <a:t>28/10/2022</a:t>
             </a:fld>
             <a:endParaRPr lang="es-AR"/>
           </a:p>
@@ -2409,7 +2409,7 @@
           <p:cNvPr id="6" name="Marcador de pie de página 5">
             <a:extLst>
               <a:ext uri="{FF2B5EF4-FFF2-40B4-BE49-F238E27FC236}">
-                <a16:creationId xmlns:a16="http://schemas.microsoft.com/office/drawing/2014/main" id="{DDE41AD1-52DD-486D-84CB-6ECC0BF8F259}"/>
+                <a16:creationId xmlns:a16="http://schemas.microsoft.com/office/drawing/2014/main" xmlns="" id="{DDE41AD1-52DD-486D-84CB-6ECC0BF8F259}"/>
               </a:ext>
             </a:extLst>
           </p:cNvPr>
@@ -2434,7 +2434,7 @@
           <p:cNvPr id="7" name="Marcador de número de diapositiva 6">
             <a:extLst>
               <a:ext uri="{FF2B5EF4-FFF2-40B4-BE49-F238E27FC236}">
-                <a16:creationId xmlns:a16="http://schemas.microsoft.com/office/drawing/2014/main" id="{3D3E6D6E-5FD6-4E5B-BF75-692C35551898}"/>
+                <a16:creationId xmlns:a16="http://schemas.microsoft.com/office/drawing/2014/main" xmlns="" id="{3D3E6D6E-5FD6-4E5B-BF75-692C35551898}"/>
               </a:ext>
             </a:extLst>
           </p:cNvPr>
@@ -2493,7 +2493,7 @@
           <p:cNvPr id="2" name="Título 1">
             <a:extLst>
               <a:ext uri="{FF2B5EF4-FFF2-40B4-BE49-F238E27FC236}">
-                <a16:creationId xmlns:a16="http://schemas.microsoft.com/office/drawing/2014/main" id="{3AE9647D-27B2-4E1B-BA13-A85182AB562E}"/>
+                <a16:creationId xmlns:a16="http://schemas.microsoft.com/office/drawing/2014/main" xmlns="" id="{3AE9647D-27B2-4E1B-BA13-A85182AB562E}"/>
               </a:ext>
             </a:extLst>
           </p:cNvPr>
@@ -2531,7 +2531,7 @@
           <p:cNvPr id="3" name="Marcador de posición de imagen 2">
             <a:extLst>
               <a:ext uri="{FF2B5EF4-FFF2-40B4-BE49-F238E27FC236}">
-                <a16:creationId xmlns:a16="http://schemas.microsoft.com/office/drawing/2014/main" id="{5E919644-4EC9-4C9F-A93A-EC62166AD7A2}"/>
+                <a16:creationId xmlns:a16="http://schemas.microsoft.com/office/drawing/2014/main" xmlns="" id="{5E919644-4EC9-4C9F-A93A-EC62166AD7A2}"/>
               </a:ext>
             </a:extLst>
           </p:cNvPr>
@@ -2598,7 +2598,7 @@
           <p:cNvPr id="4" name="Marcador de texto 3">
             <a:extLst>
               <a:ext uri="{FF2B5EF4-FFF2-40B4-BE49-F238E27FC236}">
-                <a16:creationId xmlns:a16="http://schemas.microsoft.com/office/drawing/2014/main" id="{5B0955B2-9304-4586-B6BD-60831BE34B16}"/>
+                <a16:creationId xmlns:a16="http://schemas.microsoft.com/office/drawing/2014/main" xmlns="" id="{5B0955B2-9304-4586-B6BD-60831BE34B16}"/>
               </a:ext>
             </a:extLst>
           </p:cNvPr>
@@ -2669,7 +2669,7 @@
           <p:cNvPr id="5" name="Marcador de fecha 4">
             <a:extLst>
               <a:ext uri="{FF2B5EF4-FFF2-40B4-BE49-F238E27FC236}">
-                <a16:creationId xmlns:a16="http://schemas.microsoft.com/office/drawing/2014/main" id="{A8FFCD8C-5A1F-4DB4-9F80-D43803FFC16E}"/>
+                <a16:creationId xmlns:a16="http://schemas.microsoft.com/office/drawing/2014/main" xmlns="" id="{A8FFCD8C-5A1F-4DB4-9F80-D43803FFC16E}"/>
               </a:ext>
             </a:extLst>
           </p:cNvPr>
@@ -2687,7 +2687,7 @@
           <a:p>
             <a:fld id="{E9041833-5F87-4141-9A69-DFAC4DBD0622}" type="datetimeFigureOut">
               <a:rPr lang="es-AR" smtClean="0"/>
-              <a:t>9/10/2022</a:t>
+              <a:t>28/10/2022</a:t>
             </a:fld>
             <a:endParaRPr lang="es-AR"/>
           </a:p>
@@ -2698,7 +2698,7 @@
           <p:cNvPr id="6" name="Marcador de pie de página 5">
             <a:extLst>
               <a:ext uri="{FF2B5EF4-FFF2-40B4-BE49-F238E27FC236}">
-                <a16:creationId xmlns:a16="http://schemas.microsoft.com/office/drawing/2014/main" id="{76CE4FB9-4CE0-44B1-A28B-E65064A2099E}"/>
+                <a16:creationId xmlns:a16="http://schemas.microsoft.com/office/drawing/2014/main" xmlns="" id="{76CE4FB9-4CE0-44B1-A28B-E65064A2099E}"/>
               </a:ext>
             </a:extLst>
           </p:cNvPr>
@@ -2723,7 +2723,7 @@
           <p:cNvPr id="7" name="Marcador de número de diapositiva 6">
             <a:extLst>
               <a:ext uri="{FF2B5EF4-FFF2-40B4-BE49-F238E27FC236}">
-                <a16:creationId xmlns:a16="http://schemas.microsoft.com/office/drawing/2014/main" id="{9AAF8AA4-A5D8-46F8-A64E-0C31A3BBCCBF}"/>
+                <a16:creationId xmlns:a16="http://schemas.microsoft.com/office/drawing/2014/main" xmlns="" id="{9AAF8AA4-A5D8-46F8-A64E-0C31A3BBCCBF}"/>
               </a:ext>
             </a:extLst>
           </p:cNvPr>
@@ -2787,7 +2787,7 @@
           <p:cNvPr id="2" name="Marcador de título 1">
             <a:extLst>
               <a:ext uri="{FF2B5EF4-FFF2-40B4-BE49-F238E27FC236}">
-                <a16:creationId xmlns:a16="http://schemas.microsoft.com/office/drawing/2014/main" id="{6A96C902-8F33-43F5-AD17-D5FADA164B3D}"/>
+                <a16:creationId xmlns:a16="http://schemas.microsoft.com/office/drawing/2014/main" xmlns="" id="{6A96C902-8F33-43F5-AD17-D5FADA164B3D}"/>
               </a:ext>
             </a:extLst>
           </p:cNvPr>
@@ -2826,7 +2826,7 @@
           <p:cNvPr id="3" name="Marcador de texto 2">
             <a:extLst>
               <a:ext uri="{FF2B5EF4-FFF2-40B4-BE49-F238E27FC236}">
-                <a16:creationId xmlns:a16="http://schemas.microsoft.com/office/drawing/2014/main" id="{4AA0D713-F99D-449D-8478-797F6DEAC316}"/>
+                <a16:creationId xmlns:a16="http://schemas.microsoft.com/office/drawing/2014/main" xmlns="" id="{4AA0D713-F99D-449D-8478-797F6DEAC316}"/>
               </a:ext>
             </a:extLst>
           </p:cNvPr>
@@ -2894,7 +2894,7 @@
           <p:cNvPr id="4" name="Marcador de fecha 3">
             <a:extLst>
               <a:ext uri="{FF2B5EF4-FFF2-40B4-BE49-F238E27FC236}">
-                <a16:creationId xmlns:a16="http://schemas.microsoft.com/office/drawing/2014/main" id="{A1C8CCF7-7A30-4BAA-A97F-0377CCEAEE98}"/>
+                <a16:creationId xmlns:a16="http://schemas.microsoft.com/office/drawing/2014/main" xmlns="" id="{A1C8CCF7-7A30-4BAA-A97F-0377CCEAEE98}"/>
               </a:ext>
             </a:extLst>
           </p:cNvPr>
@@ -2930,7 +2930,7 @@
           <a:p>
             <a:fld id="{E9041833-5F87-4141-9A69-DFAC4DBD0622}" type="datetimeFigureOut">
               <a:rPr lang="es-AR" smtClean="0"/>
-              <a:t>9/10/2022</a:t>
+              <a:t>28/10/2022</a:t>
             </a:fld>
             <a:endParaRPr lang="es-AR"/>
           </a:p>
@@ -2941,7 +2941,7 @@
           <p:cNvPr id="5" name="Marcador de pie de página 4">
             <a:extLst>
               <a:ext uri="{FF2B5EF4-FFF2-40B4-BE49-F238E27FC236}">
-                <a16:creationId xmlns:a16="http://schemas.microsoft.com/office/drawing/2014/main" id="{2E6A65A7-BCF8-40F5-9AC2-82A8F9806F93}"/>
+                <a16:creationId xmlns:a16="http://schemas.microsoft.com/office/drawing/2014/main" xmlns="" id="{2E6A65A7-BCF8-40F5-9AC2-82A8F9806F93}"/>
               </a:ext>
             </a:extLst>
           </p:cNvPr>
@@ -2984,7 +2984,7 @@
           <p:cNvPr id="6" name="Marcador de número de diapositiva 5">
             <a:extLst>
               <a:ext uri="{FF2B5EF4-FFF2-40B4-BE49-F238E27FC236}">
-                <a16:creationId xmlns:a16="http://schemas.microsoft.com/office/drawing/2014/main" id="{25318902-E3AA-4ECD-BA3F-DFF6E4952779}"/>
+                <a16:creationId xmlns:a16="http://schemas.microsoft.com/office/drawing/2014/main" xmlns="" id="{25318902-E3AA-4ECD-BA3F-DFF6E4952779}"/>
               </a:ext>
             </a:extLst>
           </p:cNvPr>
@@ -3352,7 +3352,7 @@
           <p:cNvPr id="5" name="Imagen 4">
             <a:extLst>
               <a:ext uri="{FF2B5EF4-FFF2-40B4-BE49-F238E27FC236}">
-                <a16:creationId xmlns:a16="http://schemas.microsoft.com/office/drawing/2014/main" id="{55AB7479-BBEE-4AB8-8809-7014146AF01E}"/>
+                <a16:creationId xmlns:a16="http://schemas.microsoft.com/office/drawing/2014/main" xmlns="" id="{55AB7479-BBEE-4AB8-8809-7014146AF01E}"/>
               </a:ext>
             </a:extLst>
           </p:cNvPr>
@@ -3387,7 +3387,7 @@
           <p:cNvPr id="9" name="Imagen 8">
             <a:extLst>
               <a:ext uri="{FF2B5EF4-FFF2-40B4-BE49-F238E27FC236}">
-                <a16:creationId xmlns:a16="http://schemas.microsoft.com/office/drawing/2014/main" id="{CBD40575-7535-419B-A6EE-D824CA21588C}"/>
+                <a16:creationId xmlns:a16="http://schemas.microsoft.com/office/drawing/2014/main" xmlns="" id="{CBD40575-7535-419B-A6EE-D824CA21588C}"/>
               </a:ext>
             </a:extLst>
           </p:cNvPr>
@@ -3422,7 +3422,7 @@
           <p:cNvPr id="15" name="Imagen 14">
             <a:extLst>
               <a:ext uri="{FF2B5EF4-FFF2-40B4-BE49-F238E27FC236}">
-                <a16:creationId xmlns:a16="http://schemas.microsoft.com/office/drawing/2014/main" id="{DACC993F-6A2B-40C4-B0E4-67345161AFCD}"/>
+                <a16:creationId xmlns:a16="http://schemas.microsoft.com/office/drawing/2014/main" xmlns="" id="{DACC993F-6A2B-40C4-B0E4-67345161AFCD}"/>
               </a:ext>
             </a:extLst>
           </p:cNvPr>
@@ -3457,7 +3457,7 @@
           <p:cNvPr id="20" name="Conector recto 19">
             <a:extLst>
               <a:ext uri="{FF2B5EF4-FFF2-40B4-BE49-F238E27FC236}">
-                <a16:creationId xmlns:a16="http://schemas.microsoft.com/office/drawing/2014/main" id="{30B862E2-BAA4-4EF6-92AF-022A69FB9845}"/>
+                <a16:creationId xmlns:a16="http://schemas.microsoft.com/office/drawing/2014/main" xmlns="" id="{30B862E2-BAA4-4EF6-92AF-022A69FB9845}"/>
               </a:ext>
             </a:extLst>
           </p:cNvPr>
@@ -3500,7 +3500,7 @@
           <p:cNvPr id="22" name="Conector recto 21">
             <a:extLst>
               <a:ext uri="{FF2B5EF4-FFF2-40B4-BE49-F238E27FC236}">
-                <a16:creationId xmlns:a16="http://schemas.microsoft.com/office/drawing/2014/main" id="{13ADB520-2D2E-45EE-A4A2-EA7CC51F1E22}"/>
+                <a16:creationId xmlns:a16="http://schemas.microsoft.com/office/drawing/2014/main" xmlns="" id="{13ADB520-2D2E-45EE-A4A2-EA7CC51F1E22}"/>
               </a:ext>
             </a:extLst>
           </p:cNvPr>
@@ -3543,7 +3543,7 @@
           <p:cNvPr id="24" name="Conector recto 23">
             <a:extLst>
               <a:ext uri="{FF2B5EF4-FFF2-40B4-BE49-F238E27FC236}">
-                <a16:creationId xmlns:a16="http://schemas.microsoft.com/office/drawing/2014/main" id="{602A0799-1EA3-43CE-82A4-FACE43AF94EF}"/>
+                <a16:creationId xmlns:a16="http://schemas.microsoft.com/office/drawing/2014/main" xmlns="" id="{602A0799-1EA3-43CE-82A4-FACE43AF94EF}"/>
               </a:ext>
             </a:extLst>
           </p:cNvPr>
@@ -3586,7 +3586,7 @@
           <p:cNvPr id="30" name="Grupo 29">
             <a:extLst>
               <a:ext uri="{FF2B5EF4-FFF2-40B4-BE49-F238E27FC236}">
-                <a16:creationId xmlns:a16="http://schemas.microsoft.com/office/drawing/2014/main" id="{7DF26FEE-C308-48DA-A005-C558C4C4986D}"/>
+                <a16:creationId xmlns:a16="http://schemas.microsoft.com/office/drawing/2014/main" xmlns="" id="{7DF26FEE-C308-48DA-A005-C558C4C4986D}"/>
               </a:ext>
             </a:extLst>
           </p:cNvPr>
@@ -3606,7 +3606,7 @@
             <p:cNvPr id="27" name="Conector recto 26">
               <a:extLst>
                 <a:ext uri="{FF2B5EF4-FFF2-40B4-BE49-F238E27FC236}">
-                  <a16:creationId xmlns:a16="http://schemas.microsoft.com/office/drawing/2014/main" id="{955A6805-A436-4F7E-93C0-4865196FD248}"/>
+                  <a16:creationId xmlns:a16="http://schemas.microsoft.com/office/drawing/2014/main" xmlns="" id="{955A6805-A436-4F7E-93C0-4865196FD248}"/>
                 </a:ext>
               </a:extLst>
             </p:cNvPr>
@@ -3652,7 +3652,7 @@
             <p:cNvPr id="28" name="Conector recto 27">
               <a:extLst>
                 <a:ext uri="{FF2B5EF4-FFF2-40B4-BE49-F238E27FC236}">
-                  <a16:creationId xmlns:a16="http://schemas.microsoft.com/office/drawing/2014/main" id="{BE0FA358-B1C6-418E-81A2-28E52D827BFE}"/>
+                  <a16:creationId xmlns:a16="http://schemas.microsoft.com/office/drawing/2014/main" xmlns="" id="{BE0FA358-B1C6-418E-81A2-28E52D827BFE}"/>
                 </a:ext>
               </a:extLst>
             </p:cNvPr>
@@ -3698,7 +3698,7 @@
             <p:cNvPr id="29" name="Conector recto 28">
               <a:extLst>
                 <a:ext uri="{FF2B5EF4-FFF2-40B4-BE49-F238E27FC236}">
-                  <a16:creationId xmlns:a16="http://schemas.microsoft.com/office/drawing/2014/main" id="{DDD275F0-18F3-4957-A5C9-4187CE485893}"/>
+                  <a16:creationId xmlns:a16="http://schemas.microsoft.com/office/drawing/2014/main" xmlns="" id="{DDD275F0-18F3-4957-A5C9-4187CE485893}"/>
                 </a:ext>
               </a:extLst>
             </p:cNvPr>
@@ -3745,7 +3745,7 @@
           <p:cNvPr id="33" name="Grupo 32">
             <a:extLst>
               <a:ext uri="{FF2B5EF4-FFF2-40B4-BE49-F238E27FC236}">
-                <a16:creationId xmlns:a16="http://schemas.microsoft.com/office/drawing/2014/main" id="{7FA1314B-5479-4840-A533-14B3C8AD7B95}"/>
+                <a16:creationId xmlns:a16="http://schemas.microsoft.com/office/drawing/2014/main" xmlns="" id="{7FA1314B-5479-4840-A533-14B3C8AD7B95}"/>
               </a:ext>
             </a:extLst>
           </p:cNvPr>
@@ -3765,7 +3765,7 @@
             <p:cNvPr id="34" name="Conector recto 33">
               <a:extLst>
                 <a:ext uri="{FF2B5EF4-FFF2-40B4-BE49-F238E27FC236}">
-                  <a16:creationId xmlns:a16="http://schemas.microsoft.com/office/drawing/2014/main" id="{0B190EFA-E8E0-45DD-8168-B6A2BB1E08F0}"/>
+                  <a16:creationId xmlns:a16="http://schemas.microsoft.com/office/drawing/2014/main" xmlns="" id="{0B190EFA-E8E0-45DD-8168-B6A2BB1E08F0}"/>
                 </a:ext>
               </a:extLst>
             </p:cNvPr>
@@ -3808,7 +3808,7 @@
             <p:cNvPr id="35" name="Conector recto 34">
               <a:extLst>
                 <a:ext uri="{FF2B5EF4-FFF2-40B4-BE49-F238E27FC236}">
-                  <a16:creationId xmlns:a16="http://schemas.microsoft.com/office/drawing/2014/main" id="{9DC2A6BD-EFFE-4A2E-BAC9-046E92F71700}"/>
+                  <a16:creationId xmlns:a16="http://schemas.microsoft.com/office/drawing/2014/main" xmlns="" id="{9DC2A6BD-EFFE-4A2E-BAC9-046E92F71700}"/>
                 </a:ext>
               </a:extLst>
             </p:cNvPr>
@@ -3851,7 +3851,7 @@
             <p:cNvPr id="36" name="Conector recto 35">
               <a:extLst>
                 <a:ext uri="{FF2B5EF4-FFF2-40B4-BE49-F238E27FC236}">
-                  <a16:creationId xmlns:a16="http://schemas.microsoft.com/office/drawing/2014/main" id="{FD34A55B-F067-4FED-B10A-A382F746683D}"/>
+                  <a16:creationId xmlns:a16="http://schemas.microsoft.com/office/drawing/2014/main" xmlns="" id="{FD34A55B-F067-4FED-B10A-A382F746683D}"/>
                 </a:ext>
               </a:extLst>
             </p:cNvPr>
@@ -3895,7 +3895,7 @@
           <p:cNvPr id="37" name="Grupo 36">
             <a:extLst>
               <a:ext uri="{FF2B5EF4-FFF2-40B4-BE49-F238E27FC236}">
-                <a16:creationId xmlns:a16="http://schemas.microsoft.com/office/drawing/2014/main" id="{55EFA842-2BF4-48DB-8A92-60AFFD99CC3D}"/>
+                <a16:creationId xmlns:a16="http://schemas.microsoft.com/office/drawing/2014/main" xmlns="" id="{55EFA842-2BF4-48DB-8A92-60AFFD99CC3D}"/>
               </a:ext>
             </a:extLst>
           </p:cNvPr>
@@ -3915,7 +3915,7 @@
             <p:cNvPr id="38" name="Conector recto 37">
               <a:extLst>
                 <a:ext uri="{FF2B5EF4-FFF2-40B4-BE49-F238E27FC236}">
-                  <a16:creationId xmlns:a16="http://schemas.microsoft.com/office/drawing/2014/main" id="{74CDD026-FAE6-4644-B7FD-9E56EF79F7E5}"/>
+                  <a16:creationId xmlns:a16="http://schemas.microsoft.com/office/drawing/2014/main" xmlns="" id="{74CDD026-FAE6-4644-B7FD-9E56EF79F7E5}"/>
                 </a:ext>
               </a:extLst>
             </p:cNvPr>
@@ -3958,7 +3958,7 @@
             <p:cNvPr id="39" name="Conector recto 38">
               <a:extLst>
                 <a:ext uri="{FF2B5EF4-FFF2-40B4-BE49-F238E27FC236}">
-                  <a16:creationId xmlns:a16="http://schemas.microsoft.com/office/drawing/2014/main" id="{370F2FD5-93D1-47B9-B4E8-6215896933D0}"/>
+                  <a16:creationId xmlns:a16="http://schemas.microsoft.com/office/drawing/2014/main" xmlns="" id="{370F2FD5-93D1-47B9-B4E8-6215896933D0}"/>
                 </a:ext>
               </a:extLst>
             </p:cNvPr>
@@ -4001,7 +4001,7 @@
             <p:cNvPr id="40" name="Conector recto 39">
               <a:extLst>
                 <a:ext uri="{FF2B5EF4-FFF2-40B4-BE49-F238E27FC236}">
-                  <a16:creationId xmlns:a16="http://schemas.microsoft.com/office/drawing/2014/main" id="{AD94E196-1712-47FA-B280-F834D8CB830F}"/>
+                  <a16:creationId xmlns:a16="http://schemas.microsoft.com/office/drawing/2014/main" xmlns="" id="{AD94E196-1712-47FA-B280-F834D8CB830F}"/>
                 </a:ext>
               </a:extLst>
             </p:cNvPr>
@@ -4045,7 +4045,7 @@
           <p:cNvPr id="43" name="Grupo 42">
             <a:extLst>
               <a:ext uri="{FF2B5EF4-FFF2-40B4-BE49-F238E27FC236}">
-                <a16:creationId xmlns:a16="http://schemas.microsoft.com/office/drawing/2014/main" id="{4C622C0C-85A8-42B8-9874-9D2BA72941A7}"/>
+                <a16:creationId xmlns:a16="http://schemas.microsoft.com/office/drawing/2014/main" xmlns="" id="{4C622C0C-85A8-42B8-9874-9D2BA72941A7}"/>
               </a:ext>
             </a:extLst>
           </p:cNvPr>
@@ -4065,7 +4065,7 @@
             <p:cNvPr id="44" name="Conector recto 43">
               <a:extLst>
                 <a:ext uri="{FF2B5EF4-FFF2-40B4-BE49-F238E27FC236}">
-                  <a16:creationId xmlns:a16="http://schemas.microsoft.com/office/drawing/2014/main" id="{FAAB76F8-C70E-4275-90EE-A50FE2E4CAE8}"/>
+                  <a16:creationId xmlns:a16="http://schemas.microsoft.com/office/drawing/2014/main" xmlns="" id="{FAAB76F8-C70E-4275-90EE-A50FE2E4CAE8}"/>
                 </a:ext>
               </a:extLst>
             </p:cNvPr>
@@ -4108,7 +4108,7 @@
             <p:cNvPr id="45" name="Conector recto 44">
               <a:extLst>
                 <a:ext uri="{FF2B5EF4-FFF2-40B4-BE49-F238E27FC236}">
-                  <a16:creationId xmlns:a16="http://schemas.microsoft.com/office/drawing/2014/main" id="{6DEB2D10-7212-41C8-87F1-835F0B53E867}"/>
+                  <a16:creationId xmlns:a16="http://schemas.microsoft.com/office/drawing/2014/main" xmlns="" id="{6DEB2D10-7212-41C8-87F1-835F0B53E867}"/>
                 </a:ext>
               </a:extLst>
             </p:cNvPr>
@@ -4151,7 +4151,7 @@
             <p:cNvPr id="46" name="Conector recto 45">
               <a:extLst>
                 <a:ext uri="{FF2B5EF4-FFF2-40B4-BE49-F238E27FC236}">
-                  <a16:creationId xmlns:a16="http://schemas.microsoft.com/office/drawing/2014/main" id="{F99123EA-4BD0-49F8-8D72-2D503893EA45}"/>
+                  <a16:creationId xmlns:a16="http://schemas.microsoft.com/office/drawing/2014/main" xmlns="" id="{F99123EA-4BD0-49F8-8D72-2D503893EA45}"/>
                 </a:ext>
               </a:extLst>
             </p:cNvPr>
@@ -4195,7 +4195,7 @@
           <p:cNvPr id="48" name="Grupo 47">
             <a:extLst>
               <a:ext uri="{FF2B5EF4-FFF2-40B4-BE49-F238E27FC236}">
-                <a16:creationId xmlns:a16="http://schemas.microsoft.com/office/drawing/2014/main" id="{11247DFF-25EA-42A6-A402-871BD9CA80FB}"/>
+                <a16:creationId xmlns:a16="http://schemas.microsoft.com/office/drawing/2014/main" xmlns="" id="{11247DFF-25EA-42A6-A402-871BD9CA80FB}"/>
               </a:ext>
             </a:extLst>
           </p:cNvPr>
@@ -4215,7 +4215,7 @@
             <p:cNvPr id="49" name="Conector recto 48">
               <a:extLst>
                 <a:ext uri="{FF2B5EF4-FFF2-40B4-BE49-F238E27FC236}">
-                  <a16:creationId xmlns:a16="http://schemas.microsoft.com/office/drawing/2014/main" id="{EEB60339-82C6-4845-B6A6-CAD73B9FEFC2}"/>
+                  <a16:creationId xmlns:a16="http://schemas.microsoft.com/office/drawing/2014/main" xmlns="" id="{EEB60339-82C6-4845-B6A6-CAD73B9FEFC2}"/>
                 </a:ext>
               </a:extLst>
             </p:cNvPr>
@@ -4260,7 +4260,7 @@
             <p:cNvPr id="50" name="Conector recto 49">
               <a:extLst>
                 <a:ext uri="{FF2B5EF4-FFF2-40B4-BE49-F238E27FC236}">
-                  <a16:creationId xmlns:a16="http://schemas.microsoft.com/office/drawing/2014/main" id="{C2FA162D-B911-4069-912C-8BC3D7AA47A3}"/>
+                  <a16:creationId xmlns:a16="http://schemas.microsoft.com/office/drawing/2014/main" xmlns="" id="{C2FA162D-B911-4069-912C-8BC3D7AA47A3}"/>
                 </a:ext>
               </a:extLst>
             </p:cNvPr>
@@ -4305,7 +4305,7 @@
             <p:cNvPr id="51" name="Conector recto 50">
               <a:extLst>
                 <a:ext uri="{FF2B5EF4-FFF2-40B4-BE49-F238E27FC236}">
-                  <a16:creationId xmlns:a16="http://schemas.microsoft.com/office/drawing/2014/main" id="{6E5765F3-987B-43C1-900B-3F7E034CFED9}"/>
+                  <a16:creationId xmlns:a16="http://schemas.microsoft.com/office/drawing/2014/main" xmlns="" id="{6E5765F3-987B-43C1-900B-3F7E034CFED9}"/>
                 </a:ext>
               </a:extLst>
             </p:cNvPr>
@@ -4351,7 +4351,7 @@
           <p:cNvPr id="53" name="Grupo 52">
             <a:extLst>
               <a:ext uri="{FF2B5EF4-FFF2-40B4-BE49-F238E27FC236}">
-                <a16:creationId xmlns:a16="http://schemas.microsoft.com/office/drawing/2014/main" id="{07726815-5B40-4699-8F10-E73C002DBF3B}"/>
+                <a16:creationId xmlns:a16="http://schemas.microsoft.com/office/drawing/2014/main" xmlns="" id="{07726815-5B40-4699-8F10-E73C002DBF3B}"/>
               </a:ext>
             </a:extLst>
           </p:cNvPr>
@@ -4371,7 +4371,7 @@
             <p:cNvPr id="54" name="Conector recto 53">
               <a:extLst>
                 <a:ext uri="{FF2B5EF4-FFF2-40B4-BE49-F238E27FC236}">
-                  <a16:creationId xmlns:a16="http://schemas.microsoft.com/office/drawing/2014/main" id="{76297FCC-BE23-405D-83A0-64D1DAEBEFC5}"/>
+                  <a16:creationId xmlns:a16="http://schemas.microsoft.com/office/drawing/2014/main" xmlns="" id="{76297FCC-BE23-405D-83A0-64D1DAEBEFC5}"/>
                 </a:ext>
               </a:extLst>
             </p:cNvPr>
@@ -4414,7 +4414,7 @@
             <p:cNvPr id="55" name="Conector recto 54">
               <a:extLst>
                 <a:ext uri="{FF2B5EF4-FFF2-40B4-BE49-F238E27FC236}">
-                  <a16:creationId xmlns:a16="http://schemas.microsoft.com/office/drawing/2014/main" id="{B8159E51-A14F-4650-9710-05953609B413}"/>
+                  <a16:creationId xmlns:a16="http://schemas.microsoft.com/office/drawing/2014/main" xmlns="" id="{B8159E51-A14F-4650-9710-05953609B413}"/>
                 </a:ext>
               </a:extLst>
             </p:cNvPr>
@@ -4457,7 +4457,7 @@
             <p:cNvPr id="56" name="Conector recto 55">
               <a:extLst>
                 <a:ext uri="{FF2B5EF4-FFF2-40B4-BE49-F238E27FC236}">
-                  <a16:creationId xmlns:a16="http://schemas.microsoft.com/office/drawing/2014/main" id="{4F7E7A0E-5750-41B5-BACA-3C15C4E53D14}"/>
+                  <a16:creationId xmlns:a16="http://schemas.microsoft.com/office/drawing/2014/main" xmlns="" id="{4F7E7A0E-5750-41B5-BACA-3C15C4E53D14}"/>
                 </a:ext>
               </a:extLst>
             </p:cNvPr>
@@ -4501,7 +4501,7 @@
           <p:cNvPr id="60" name="Conector recto 59">
             <a:extLst>
               <a:ext uri="{FF2B5EF4-FFF2-40B4-BE49-F238E27FC236}">
-                <a16:creationId xmlns:a16="http://schemas.microsoft.com/office/drawing/2014/main" id="{ADFFE6F6-9336-4C67-AF51-30DEC1334D5A}"/>
+                <a16:creationId xmlns:a16="http://schemas.microsoft.com/office/drawing/2014/main" xmlns="" id="{ADFFE6F6-9336-4C67-AF51-30DEC1334D5A}"/>
               </a:ext>
             </a:extLst>
           </p:cNvPr>
@@ -4544,7 +4544,7 @@
           <p:cNvPr id="66" name="Conector recto 65">
             <a:extLst>
               <a:ext uri="{FF2B5EF4-FFF2-40B4-BE49-F238E27FC236}">
-                <a16:creationId xmlns:a16="http://schemas.microsoft.com/office/drawing/2014/main" id="{BB3C2B4F-1CF8-42C7-9625-67AB135BFDAA}"/>
+                <a16:creationId xmlns:a16="http://schemas.microsoft.com/office/drawing/2014/main" xmlns="" id="{BB3C2B4F-1CF8-42C7-9625-67AB135BFDAA}"/>
               </a:ext>
             </a:extLst>
           </p:cNvPr>
@@ -4587,7 +4587,7 @@
           <p:cNvPr id="70" name="Grupo 69">
             <a:extLst>
               <a:ext uri="{FF2B5EF4-FFF2-40B4-BE49-F238E27FC236}">
-                <a16:creationId xmlns:a16="http://schemas.microsoft.com/office/drawing/2014/main" id="{40FEE59C-E23B-4CD7-8E97-5C15B940614D}"/>
+                <a16:creationId xmlns:a16="http://schemas.microsoft.com/office/drawing/2014/main" xmlns="" id="{40FEE59C-E23B-4CD7-8E97-5C15B940614D}"/>
               </a:ext>
             </a:extLst>
           </p:cNvPr>
@@ -4607,7 +4607,7 @@
             <p:cNvPr id="71" name="Conector recto 70">
               <a:extLst>
                 <a:ext uri="{FF2B5EF4-FFF2-40B4-BE49-F238E27FC236}">
-                  <a16:creationId xmlns:a16="http://schemas.microsoft.com/office/drawing/2014/main" id="{EAF8F28E-5B0E-4C0F-ACD0-3D316C54F74D}"/>
+                  <a16:creationId xmlns:a16="http://schemas.microsoft.com/office/drawing/2014/main" xmlns="" id="{EAF8F28E-5B0E-4C0F-ACD0-3D316C54F74D}"/>
                 </a:ext>
               </a:extLst>
             </p:cNvPr>
@@ -4650,7 +4650,7 @@
             <p:cNvPr id="72" name="Conector recto 71">
               <a:extLst>
                 <a:ext uri="{FF2B5EF4-FFF2-40B4-BE49-F238E27FC236}">
-                  <a16:creationId xmlns:a16="http://schemas.microsoft.com/office/drawing/2014/main" id="{243CAB54-D3E8-43D6-85F4-59B735327A22}"/>
+                  <a16:creationId xmlns:a16="http://schemas.microsoft.com/office/drawing/2014/main" xmlns="" id="{243CAB54-D3E8-43D6-85F4-59B735327A22}"/>
                 </a:ext>
               </a:extLst>
             </p:cNvPr>
@@ -4693,7 +4693,7 @@
             <p:cNvPr id="73" name="Conector recto 72">
               <a:extLst>
                 <a:ext uri="{FF2B5EF4-FFF2-40B4-BE49-F238E27FC236}">
-                  <a16:creationId xmlns:a16="http://schemas.microsoft.com/office/drawing/2014/main" id="{E614BF53-67D3-43BD-83EA-0F05A2FBBB9E}"/>
+                  <a16:creationId xmlns:a16="http://schemas.microsoft.com/office/drawing/2014/main" xmlns="" id="{E614BF53-67D3-43BD-83EA-0F05A2FBBB9E}"/>
                 </a:ext>
               </a:extLst>
             </p:cNvPr>
@@ -4737,7 +4737,7 @@
           <p:cNvPr id="75" name="Conector recto 74">
             <a:extLst>
               <a:ext uri="{FF2B5EF4-FFF2-40B4-BE49-F238E27FC236}">
-                <a16:creationId xmlns:a16="http://schemas.microsoft.com/office/drawing/2014/main" id="{B83E6337-2E9D-46F9-B1D1-E05C6862286C}"/>
+                <a16:creationId xmlns:a16="http://schemas.microsoft.com/office/drawing/2014/main" xmlns="" id="{B83E6337-2E9D-46F9-B1D1-E05C6862286C}"/>
               </a:ext>
             </a:extLst>
           </p:cNvPr>
@@ -4780,7 +4780,7 @@
           <p:cNvPr id="79" name="Conector recto 78">
             <a:extLst>
               <a:ext uri="{FF2B5EF4-FFF2-40B4-BE49-F238E27FC236}">
-                <a16:creationId xmlns:a16="http://schemas.microsoft.com/office/drawing/2014/main" id="{908A7A7E-1F1C-4E9D-BD6D-9C46641A2D1F}"/>
+                <a16:creationId xmlns:a16="http://schemas.microsoft.com/office/drawing/2014/main" xmlns="" id="{908A7A7E-1F1C-4E9D-BD6D-9C46641A2D1F}"/>
               </a:ext>
             </a:extLst>
           </p:cNvPr>
@@ -4823,7 +4823,7 @@
           <p:cNvPr id="81" name="CuadroTexto 80">
             <a:extLst>
               <a:ext uri="{FF2B5EF4-FFF2-40B4-BE49-F238E27FC236}">
-                <a16:creationId xmlns:a16="http://schemas.microsoft.com/office/drawing/2014/main" id="{063F7828-C89D-4179-AAE1-313D1DEE0FA0}"/>
+                <a16:creationId xmlns:a16="http://schemas.microsoft.com/office/drawing/2014/main" xmlns="" id="{063F7828-C89D-4179-AAE1-313D1DEE0FA0}"/>
               </a:ext>
             </a:extLst>
           </p:cNvPr>
@@ -4863,7 +4863,7 @@
           <p:cNvPr id="83" name="Conector recto 82">
             <a:extLst>
               <a:ext uri="{FF2B5EF4-FFF2-40B4-BE49-F238E27FC236}">
-                <a16:creationId xmlns:a16="http://schemas.microsoft.com/office/drawing/2014/main" id="{FDE3035D-D06F-404C-9E82-2B0BB4EA1F2A}"/>
+                <a16:creationId xmlns:a16="http://schemas.microsoft.com/office/drawing/2014/main" xmlns="" id="{FDE3035D-D06F-404C-9E82-2B0BB4EA1F2A}"/>
               </a:ext>
             </a:extLst>
           </p:cNvPr>
@@ -4904,7 +4904,7 @@
           <p:cNvPr id="87" name="Conector: angular 86">
             <a:extLst>
               <a:ext uri="{FF2B5EF4-FFF2-40B4-BE49-F238E27FC236}">
-                <a16:creationId xmlns:a16="http://schemas.microsoft.com/office/drawing/2014/main" id="{18DC7B0F-3F8E-49BF-9E90-CDEB3338B036}"/>
+                <a16:creationId xmlns:a16="http://schemas.microsoft.com/office/drawing/2014/main" xmlns="" id="{18DC7B0F-3F8E-49BF-9E90-CDEB3338B036}"/>
               </a:ext>
             </a:extLst>
           </p:cNvPr>
@@ -4950,7 +4950,7 @@
           <p:cNvPr id="91" name="CuadroTexto 90">
             <a:extLst>
               <a:ext uri="{FF2B5EF4-FFF2-40B4-BE49-F238E27FC236}">
-                <a16:creationId xmlns:a16="http://schemas.microsoft.com/office/drawing/2014/main" id="{4CE4A5A1-4E50-4E0F-B973-E21178787905}"/>
+                <a16:creationId xmlns:a16="http://schemas.microsoft.com/office/drawing/2014/main" xmlns="" id="{4CE4A5A1-4E50-4E0F-B973-E21178787905}"/>
               </a:ext>
             </a:extLst>
           </p:cNvPr>
@@ -4993,7 +4993,7 @@
           <p:cNvPr id="93" name="Conector: angular 92">
             <a:extLst>
               <a:ext uri="{FF2B5EF4-FFF2-40B4-BE49-F238E27FC236}">
-                <a16:creationId xmlns:a16="http://schemas.microsoft.com/office/drawing/2014/main" id="{4BD61CB2-1888-4A43-BFCE-B0EFD61B6D74}"/>
+                <a16:creationId xmlns:a16="http://schemas.microsoft.com/office/drawing/2014/main" xmlns="" id="{4BD61CB2-1888-4A43-BFCE-B0EFD61B6D74}"/>
               </a:ext>
             </a:extLst>
           </p:cNvPr>
@@ -5042,7 +5042,7 @@
           <p:cNvPr id="103" name="Conector: angular 102">
             <a:extLst>
               <a:ext uri="{FF2B5EF4-FFF2-40B4-BE49-F238E27FC236}">
-                <a16:creationId xmlns:a16="http://schemas.microsoft.com/office/drawing/2014/main" id="{A62A5582-63E5-42C6-9C19-277E5F90735D}"/>
+                <a16:creationId xmlns:a16="http://schemas.microsoft.com/office/drawing/2014/main" xmlns="" id="{A62A5582-63E5-42C6-9C19-277E5F90735D}"/>
               </a:ext>
             </a:extLst>
           </p:cNvPr>
@@ -5091,7 +5091,7 @@
           <p:cNvPr id="110" name="Conector: angular 109">
             <a:extLst>
               <a:ext uri="{FF2B5EF4-FFF2-40B4-BE49-F238E27FC236}">
-                <a16:creationId xmlns:a16="http://schemas.microsoft.com/office/drawing/2014/main" id="{F44EE5B8-C93D-41E0-B7F0-F1001EE5D177}"/>
+                <a16:creationId xmlns:a16="http://schemas.microsoft.com/office/drawing/2014/main" xmlns="" id="{F44EE5B8-C93D-41E0-B7F0-F1001EE5D177}"/>
               </a:ext>
             </a:extLst>
           </p:cNvPr>
@@ -5108,7 +5108,7 @@
           </a:xfrm>
           <a:prstGeom prst="bentConnector3">
             <a:avLst>
-              <a:gd name="adj1" fmla="val 50000"/>
+              <a:gd name="adj1" fmla="val 73678"/>
             </a:avLst>
           </a:prstGeom>
           <a:ln w="38100">
@@ -5137,7 +5137,7 @@
           <p:cNvPr id="6" name="Conector recto 5">
             <a:extLst>
               <a:ext uri="{FF2B5EF4-FFF2-40B4-BE49-F238E27FC236}">
-                <a16:creationId xmlns:a16="http://schemas.microsoft.com/office/drawing/2014/main" id="{CCF8D571-0A26-4133-B71F-03F149B91489}"/>
+                <a16:creationId xmlns:a16="http://schemas.microsoft.com/office/drawing/2014/main" xmlns="" id="{CCF8D571-0A26-4133-B71F-03F149B91489}"/>
               </a:ext>
             </a:extLst>
           </p:cNvPr>
@@ -5178,7 +5178,7 @@
           <p:cNvPr id="52" name="Conector recto 51">
             <a:extLst>
               <a:ext uri="{FF2B5EF4-FFF2-40B4-BE49-F238E27FC236}">
-                <a16:creationId xmlns:a16="http://schemas.microsoft.com/office/drawing/2014/main" id="{2DE3B381-289A-43A8-8EFB-23C4A5922153}"/>
+                <a16:creationId xmlns:a16="http://schemas.microsoft.com/office/drawing/2014/main" xmlns="" id="{2DE3B381-289A-43A8-8EFB-23C4A5922153}"/>
               </a:ext>
             </a:extLst>
           </p:cNvPr>
@@ -5221,7 +5221,7 @@
           <p:cNvPr id="57" name="Conector recto 56">
             <a:extLst>
               <a:ext uri="{FF2B5EF4-FFF2-40B4-BE49-F238E27FC236}">
-                <a16:creationId xmlns:a16="http://schemas.microsoft.com/office/drawing/2014/main" id="{57944CEF-4E27-47CD-8A6F-628C113FC38C}"/>
+                <a16:creationId xmlns:a16="http://schemas.microsoft.com/office/drawing/2014/main" xmlns="" id="{57944CEF-4E27-47CD-8A6F-628C113FC38C}"/>
               </a:ext>
             </a:extLst>
           </p:cNvPr>
@@ -5264,7 +5264,7 @@
           <p:cNvPr id="58" name="Conector recto 57">
             <a:extLst>
               <a:ext uri="{FF2B5EF4-FFF2-40B4-BE49-F238E27FC236}">
-                <a16:creationId xmlns:a16="http://schemas.microsoft.com/office/drawing/2014/main" id="{29B6FC6E-0936-4642-A7CD-3F7E90AE22BA}"/>
+                <a16:creationId xmlns:a16="http://schemas.microsoft.com/office/drawing/2014/main" xmlns="" id="{29B6FC6E-0936-4642-A7CD-3F7E90AE22BA}"/>
               </a:ext>
             </a:extLst>
           </p:cNvPr>
@@ -5307,7 +5307,7 @@
           <p:cNvPr id="59" name="Conector recto 58">
             <a:extLst>
               <a:ext uri="{FF2B5EF4-FFF2-40B4-BE49-F238E27FC236}">
-                <a16:creationId xmlns:a16="http://schemas.microsoft.com/office/drawing/2014/main" id="{DCE0E98B-9A67-46AF-9A98-6E5B3068EB24}"/>
+                <a16:creationId xmlns:a16="http://schemas.microsoft.com/office/drawing/2014/main" xmlns="" id="{DCE0E98B-9A67-46AF-9A98-6E5B3068EB24}"/>
               </a:ext>
             </a:extLst>
           </p:cNvPr>
@@ -5350,7 +5350,7 @@
           <p:cNvPr id="3" name="Grupo 2">
             <a:extLst>
               <a:ext uri="{FF2B5EF4-FFF2-40B4-BE49-F238E27FC236}">
-                <a16:creationId xmlns:a16="http://schemas.microsoft.com/office/drawing/2014/main" id="{B4AABECC-F591-4107-ABE1-D14566EE6C71}"/>
+                <a16:creationId xmlns:a16="http://schemas.microsoft.com/office/drawing/2014/main" xmlns="" id="{B4AABECC-F591-4107-ABE1-D14566EE6C71}"/>
               </a:ext>
             </a:extLst>
           </p:cNvPr>
@@ -5370,7 +5370,7 @@
             <p:cNvPr id="2" name="CuadroTexto 1">
               <a:extLst>
                 <a:ext uri="{FF2B5EF4-FFF2-40B4-BE49-F238E27FC236}">
-                  <a16:creationId xmlns:a16="http://schemas.microsoft.com/office/drawing/2014/main" id="{266BE776-FFD0-4FE6-9358-F59452A67369}"/>
+                  <a16:creationId xmlns:a16="http://schemas.microsoft.com/office/drawing/2014/main" xmlns="" id="{266BE776-FFD0-4FE6-9358-F59452A67369}"/>
                 </a:ext>
               </a:extLst>
             </p:cNvPr>
@@ -5410,7 +5410,7 @@
             <p:cNvPr id="61" name="CuadroTexto 60">
               <a:extLst>
                 <a:ext uri="{FF2B5EF4-FFF2-40B4-BE49-F238E27FC236}">
-                  <a16:creationId xmlns:a16="http://schemas.microsoft.com/office/drawing/2014/main" id="{E4072906-0DB0-41B2-9623-D043861D0B5E}"/>
+                  <a16:creationId xmlns:a16="http://schemas.microsoft.com/office/drawing/2014/main" xmlns="" id="{E4072906-0DB0-41B2-9623-D043861D0B5E}"/>
                 </a:ext>
               </a:extLst>
             </p:cNvPr>
@@ -5450,7 +5450,7 @@
             <p:cNvPr id="62" name="CuadroTexto 61">
               <a:extLst>
                 <a:ext uri="{FF2B5EF4-FFF2-40B4-BE49-F238E27FC236}">
-                  <a16:creationId xmlns:a16="http://schemas.microsoft.com/office/drawing/2014/main" id="{35A52814-BDB0-45B3-8629-2CA15E565776}"/>
+                  <a16:creationId xmlns:a16="http://schemas.microsoft.com/office/drawing/2014/main" xmlns="" id="{35A52814-BDB0-45B3-8629-2CA15E565776}"/>
                 </a:ext>
               </a:extLst>
             </p:cNvPr>
@@ -5491,7 +5491,7 @@
           <p:cNvPr id="7" name="Conector: angular 6">
             <a:extLst>
               <a:ext uri="{FF2B5EF4-FFF2-40B4-BE49-F238E27FC236}">
-                <a16:creationId xmlns:a16="http://schemas.microsoft.com/office/drawing/2014/main" id="{E4E325BD-1164-4E50-ADFB-3F1608756811}"/>
+                <a16:creationId xmlns:a16="http://schemas.microsoft.com/office/drawing/2014/main" xmlns="" id="{E4E325BD-1164-4E50-ADFB-3F1608756811}"/>
               </a:ext>
             </a:extLst>
           </p:cNvPr>
@@ -5534,7 +5534,7 @@
           <p:cNvPr id="63" name="Conector: angular 62">
             <a:extLst>
               <a:ext uri="{FF2B5EF4-FFF2-40B4-BE49-F238E27FC236}">
-                <a16:creationId xmlns:a16="http://schemas.microsoft.com/office/drawing/2014/main" id="{8F4405A9-1F13-4FC2-B236-F5986E574961}"/>
+                <a16:creationId xmlns:a16="http://schemas.microsoft.com/office/drawing/2014/main" xmlns="" id="{8F4405A9-1F13-4FC2-B236-F5986E574961}"/>
               </a:ext>
             </a:extLst>
           </p:cNvPr>
@@ -5555,6 +5555,739 @@
           <a:ln w="57150">
             <a:solidFill>
               <a:schemeClr val="tx1"/>
+            </a:solidFill>
+          </a:ln>
+        </p:spPr>
+        <p:style>
+          <a:lnRef idx="1">
+            <a:schemeClr val="accent1"/>
+          </a:lnRef>
+          <a:fillRef idx="0">
+            <a:schemeClr val="accent1"/>
+          </a:fillRef>
+          <a:effectRef idx="0">
+            <a:schemeClr val="accent1"/>
+          </a:effectRef>
+          <a:fontRef idx="minor">
+            <a:schemeClr val="tx1"/>
+          </a:fontRef>
+        </p:style>
+      </p:cxnSp>
+      <p:pic>
+        <p:nvPicPr>
+          <p:cNvPr id="1026" name="Picture 2" descr="How to Connect a DS3231 to NodeMCU V3 - CyberBlogSpot"/>
+          <p:cNvPicPr>
+            <a:picLocks noChangeAspect="1" noChangeArrowheads="1"/>
+          </p:cNvPicPr>
+          <p:nvPr/>
+        </p:nvPicPr>
+        <p:blipFill rotWithShape="1">
+          <a:blip r:embed="rId5">
+            <a:extLst>
+              <a:ext uri="{28A0092B-C50C-407E-A947-70E740481C1C}">
+                <a14:useLocalDpi xmlns:a14="http://schemas.microsoft.com/office/drawing/2010/main" val="0"/>
+              </a:ext>
+            </a:extLst>
+          </a:blip>
+          <a:srcRect l="48518" t="8504" r="1205" b="48101"/>
+          <a:stretch/>
+        </p:blipFill>
+        <p:spPr bwMode="auto">
+          <a:xfrm>
+            <a:off x="9769824" y="4594140"/>
+            <a:ext cx="2192481" cy="1276485"/>
+          </a:xfrm>
+          <a:prstGeom prst="rect">
+            <a:avLst/>
+          </a:prstGeom>
+          <a:noFill/>
+          <a:extLst>
+            <a:ext uri="{909E8E84-426E-40DD-AFC4-6F175D3DCCD1}">
+              <a14:hiddenFill xmlns:a14="http://schemas.microsoft.com/office/drawing/2010/main">
+                <a:solidFill>
+                  <a:srgbClr val="FFFFFF"/>
+                </a:solidFill>
+              </a14:hiddenFill>
+            </a:ext>
+          </a:extLst>
+        </p:spPr>
+      </p:pic>
+      <p:cxnSp>
+        <p:nvCxnSpPr>
+          <p:cNvPr id="64" name="Conector recto 63">
+            <a:extLst>
+              <a:ext uri="{FF2B5EF4-FFF2-40B4-BE49-F238E27FC236}">
+                <a16:creationId xmlns:a16="http://schemas.microsoft.com/office/drawing/2014/main" xmlns="" id="{57944CEF-4E27-47CD-8A6F-628C113FC38C}"/>
+              </a:ext>
+            </a:extLst>
+          </p:cNvPr>
+          <p:cNvCxnSpPr>
+            <a:cxnSpLocks/>
+          </p:cNvCxnSpPr>
+          <p:nvPr/>
+        </p:nvCxnSpPr>
+        <p:spPr>
+          <a:xfrm>
+            <a:off x="8932966" y="5175556"/>
+            <a:ext cx="836858" cy="984"/>
+          </a:xfrm>
+          <a:prstGeom prst="line">
+            <a:avLst/>
+          </a:prstGeom>
+          <a:ln w="38100">
+            <a:solidFill>
+              <a:srgbClr val="66FF66"/>
+            </a:solidFill>
+          </a:ln>
+        </p:spPr>
+        <p:style>
+          <a:lnRef idx="1">
+            <a:schemeClr val="accent1"/>
+          </a:lnRef>
+          <a:fillRef idx="0">
+            <a:schemeClr val="accent1"/>
+          </a:fillRef>
+          <a:effectRef idx="0">
+            <a:schemeClr val="accent1"/>
+          </a:effectRef>
+          <a:fontRef idx="minor">
+            <a:schemeClr val="tx1"/>
+          </a:fontRef>
+        </p:style>
+      </p:cxnSp>
+      <p:cxnSp>
+        <p:nvCxnSpPr>
+          <p:cNvPr id="67" name="Conector recto 66">
+            <a:extLst>
+              <a:ext uri="{FF2B5EF4-FFF2-40B4-BE49-F238E27FC236}">
+                <a16:creationId xmlns:a16="http://schemas.microsoft.com/office/drawing/2014/main" xmlns="" id="{57944CEF-4E27-47CD-8A6F-628C113FC38C}"/>
+              </a:ext>
+            </a:extLst>
+          </p:cNvPr>
+          <p:cNvCxnSpPr>
+            <a:cxnSpLocks/>
+          </p:cNvCxnSpPr>
+          <p:nvPr/>
+        </p:nvCxnSpPr>
+        <p:spPr>
+          <a:xfrm>
+            <a:off x="8906569" y="819461"/>
+            <a:ext cx="30786" cy="4372728"/>
+          </a:xfrm>
+          <a:prstGeom prst="line">
+            <a:avLst/>
+          </a:prstGeom>
+          <a:ln w="38100">
+            <a:solidFill>
+              <a:srgbClr val="66FF66"/>
+            </a:solidFill>
+          </a:ln>
+        </p:spPr>
+        <p:style>
+          <a:lnRef idx="1">
+            <a:schemeClr val="accent1"/>
+          </a:lnRef>
+          <a:fillRef idx="0">
+            <a:schemeClr val="accent1"/>
+          </a:fillRef>
+          <a:effectRef idx="0">
+            <a:schemeClr val="accent1"/>
+          </a:effectRef>
+          <a:fontRef idx="minor">
+            <a:schemeClr val="tx1"/>
+          </a:fontRef>
+        </p:style>
+      </p:cxnSp>
+      <p:cxnSp>
+        <p:nvCxnSpPr>
+          <p:cNvPr id="74" name="Conector recto 73">
+            <a:extLst>
+              <a:ext uri="{FF2B5EF4-FFF2-40B4-BE49-F238E27FC236}">
+                <a16:creationId xmlns:a16="http://schemas.microsoft.com/office/drawing/2014/main" xmlns="" id="{57944CEF-4E27-47CD-8A6F-628C113FC38C}"/>
+              </a:ext>
+            </a:extLst>
+          </p:cNvPr>
+          <p:cNvCxnSpPr>
+            <a:cxnSpLocks/>
+          </p:cNvCxnSpPr>
+          <p:nvPr/>
+        </p:nvCxnSpPr>
+        <p:spPr>
+          <a:xfrm flipV="1">
+            <a:off x="9078837" y="5625366"/>
+            <a:ext cx="734512" cy="4721"/>
+          </a:xfrm>
+          <a:prstGeom prst="line">
+            <a:avLst/>
+          </a:prstGeom>
+          <a:ln w="38100">
+            <a:solidFill>
+              <a:srgbClr val="000099"/>
+            </a:solidFill>
+          </a:ln>
+        </p:spPr>
+        <p:style>
+          <a:lnRef idx="1">
+            <a:schemeClr val="accent1"/>
+          </a:lnRef>
+          <a:fillRef idx="0">
+            <a:schemeClr val="accent1"/>
+          </a:fillRef>
+          <a:effectRef idx="0">
+            <a:schemeClr val="accent1"/>
+          </a:effectRef>
+          <a:fontRef idx="minor">
+            <a:schemeClr val="tx1"/>
+          </a:fontRef>
+        </p:style>
+      </p:cxnSp>
+      <p:cxnSp>
+        <p:nvCxnSpPr>
+          <p:cNvPr id="76" name="Conector recto 75">
+            <a:extLst>
+              <a:ext uri="{FF2B5EF4-FFF2-40B4-BE49-F238E27FC236}">
+                <a16:creationId xmlns:a16="http://schemas.microsoft.com/office/drawing/2014/main" xmlns="" id="{57944CEF-4E27-47CD-8A6F-628C113FC38C}"/>
+              </a:ext>
+            </a:extLst>
+          </p:cNvPr>
+          <p:cNvCxnSpPr>
+            <a:cxnSpLocks/>
+          </p:cNvCxnSpPr>
+          <p:nvPr/>
+        </p:nvCxnSpPr>
+        <p:spPr>
+          <a:xfrm>
+            <a:off x="2818563" y="5449932"/>
+            <a:ext cx="7011878" cy="29735"/>
+          </a:xfrm>
+          <a:prstGeom prst="line">
+            <a:avLst/>
+          </a:prstGeom>
+          <a:ln w="38100">
+            <a:solidFill>
+              <a:srgbClr val="336699"/>
+            </a:solidFill>
+          </a:ln>
+        </p:spPr>
+        <p:style>
+          <a:lnRef idx="1">
+            <a:schemeClr val="accent1"/>
+          </a:lnRef>
+          <a:fillRef idx="0">
+            <a:schemeClr val="accent1"/>
+          </a:fillRef>
+          <a:effectRef idx="0">
+            <a:schemeClr val="accent1"/>
+          </a:effectRef>
+          <a:fontRef idx="minor">
+            <a:schemeClr val="tx1"/>
+          </a:fontRef>
+        </p:style>
+      </p:cxnSp>
+      <p:cxnSp>
+        <p:nvCxnSpPr>
+          <p:cNvPr id="77" name="Conector recto 76">
+            <a:extLst>
+              <a:ext uri="{FF2B5EF4-FFF2-40B4-BE49-F238E27FC236}">
+                <a16:creationId xmlns:a16="http://schemas.microsoft.com/office/drawing/2014/main" xmlns="" id="{57944CEF-4E27-47CD-8A6F-628C113FC38C}"/>
+              </a:ext>
+            </a:extLst>
+          </p:cNvPr>
+          <p:cNvCxnSpPr>
+            <a:cxnSpLocks/>
+          </p:cNvCxnSpPr>
+          <p:nvPr/>
+        </p:nvCxnSpPr>
+        <p:spPr>
+          <a:xfrm>
+            <a:off x="8797265" y="5321255"/>
+            <a:ext cx="1014460" cy="1220"/>
+          </a:xfrm>
+          <a:prstGeom prst="line">
+            <a:avLst/>
+          </a:prstGeom>
+          <a:ln w="38100">
+            <a:solidFill>
+              <a:schemeClr val="accent2">
+                <a:lumMod val="75000"/>
+              </a:schemeClr>
+            </a:solidFill>
+          </a:ln>
+        </p:spPr>
+        <p:style>
+          <a:lnRef idx="1">
+            <a:schemeClr val="accent1"/>
+          </a:lnRef>
+          <a:fillRef idx="0">
+            <a:schemeClr val="accent1"/>
+          </a:fillRef>
+          <a:effectRef idx="0">
+            <a:schemeClr val="accent1"/>
+          </a:effectRef>
+          <a:fontRef idx="minor">
+            <a:schemeClr val="tx1"/>
+          </a:fontRef>
+        </p:style>
+      </p:cxnSp>
+      <p:cxnSp>
+        <p:nvCxnSpPr>
+          <p:cNvPr id="78" name="Conector recto 77">
+            <a:extLst>
+              <a:ext uri="{FF2B5EF4-FFF2-40B4-BE49-F238E27FC236}">
+                <a16:creationId xmlns:a16="http://schemas.microsoft.com/office/drawing/2014/main" xmlns="" id="{57944CEF-4E27-47CD-8A6F-628C113FC38C}"/>
+              </a:ext>
+            </a:extLst>
+          </p:cNvPr>
+          <p:cNvCxnSpPr>
+            <a:cxnSpLocks/>
+          </p:cNvCxnSpPr>
+          <p:nvPr/>
+        </p:nvCxnSpPr>
+        <p:spPr>
+          <a:xfrm flipV="1">
+            <a:off x="8012879" y="833138"/>
+            <a:ext cx="909083" cy="9250"/>
+          </a:xfrm>
+          <a:prstGeom prst="line">
+            <a:avLst/>
+          </a:prstGeom>
+          <a:ln w="38100">
+            <a:solidFill>
+              <a:srgbClr val="66FF66"/>
+            </a:solidFill>
+          </a:ln>
+        </p:spPr>
+        <p:style>
+          <a:lnRef idx="1">
+            <a:schemeClr val="accent1"/>
+          </a:lnRef>
+          <a:fillRef idx="0">
+            <a:schemeClr val="accent1"/>
+          </a:fillRef>
+          <a:effectRef idx="0">
+            <a:schemeClr val="accent1"/>
+          </a:effectRef>
+          <a:fontRef idx="minor">
+            <a:schemeClr val="tx1"/>
+          </a:fontRef>
+        </p:style>
+      </p:cxnSp>
+      <p:cxnSp>
+        <p:nvCxnSpPr>
+          <p:cNvPr id="80" name="Conector recto 79">
+            <a:extLst>
+              <a:ext uri="{FF2B5EF4-FFF2-40B4-BE49-F238E27FC236}">
+                <a16:creationId xmlns:a16="http://schemas.microsoft.com/office/drawing/2014/main" xmlns="" id="{57944CEF-4E27-47CD-8A6F-628C113FC38C}"/>
+              </a:ext>
+            </a:extLst>
+          </p:cNvPr>
+          <p:cNvCxnSpPr>
+            <a:cxnSpLocks/>
+          </p:cNvCxnSpPr>
+          <p:nvPr/>
+        </p:nvCxnSpPr>
+        <p:spPr>
+          <a:xfrm>
+            <a:off x="8766388" y="1485281"/>
+            <a:ext cx="39545" cy="3845299"/>
+          </a:xfrm>
+          <a:prstGeom prst="line">
+            <a:avLst/>
+          </a:prstGeom>
+          <a:ln w="38100">
+            <a:solidFill>
+              <a:schemeClr val="accent2">
+                <a:lumMod val="75000"/>
+              </a:schemeClr>
+            </a:solidFill>
+          </a:ln>
+        </p:spPr>
+        <p:style>
+          <a:lnRef idx="1">
+            <a:schemeClr val="accent1"/>
+          </a:lnRef>
+          <a:fillRef idx="0">
+            <a:schemeClr val="accent1"/>
+          </a:fillRef>
+          <a:effectRef idx="0">
+            <a:schemeClr val="accent1"/>
+          </a:effectRef>
+          <a:fontRef idx="minor">
+            <a:schemeClr val="tx1"/>
+          </a:fontRef>
+        </p:style>
+      </p:cxnSp>
+      <p:cxnSp>
+        <p:nvCxnSpPr>
+          <p:cNvPr id="82" name="Conector recto 81">
+            <a:extLst>
+              <a:ext uri="{FF2B5EF4-FFF2-40B4-BE49-F238E27FC236}">
+                <a16:creationId xmlns:a16="http://schemas.microsoft.com/office/drawing/2014/main" xmlns="" id="{57944CEF-4E27-47CD-8A6F-628C113FC38C}"/>
+              </a:ext>
+            </a:extLst>
+          </p:cNvPr>
+          <p:cNvCxnSpPr>
+            <a:cxnSpLocks/>
+          </p:cNvCxnSpPr>
+          <p:nvPr/>
+        </p:nvCxnSpPr>
+        <p:spPr>
+          <a:xfrm flipV="1">
+            <a:off x="8066639" y="1503499"/>
+            <a:ext cx="720054" cy="2358"/>
+          </a:xfrm>
+          <a:prstGeom prst="line">
+            <a:avLst/>
+          </a:prstGeom>
+          <a:ln w="38100">
+            <a:solidFill>
+              <a:schemeClr val="accent2">
+                <a:lumMod val="75000"/>
+              </a:schemeClr>
+            </a:solidFill>
+          </a:ln>
+        </p:spPr>
+        <p:style>
+          <a:lnRef idx="1">
+            <a:schemeClr val="accent1"/>
+          </a:lnRef>
+          <a:fillRef idx="0">
+            <a:schemeClr val="accent1"/>
+          </a:fillRef>
+          <a:effectRef idx="0">
+            <a:schemeClr val="accent1"/>
+          </a:effectRef>
+          <a:fontRef idx="minor">
+            <a:schemeClr val="tx1"/>
+          </a:fontRef>
+        </p:style>
+      </p:cxnSp>
+      <p:cxnSp>
+        <p:nvCxnSpPr>
+          <p:cNvPr id="86" name="Conector recto 85">
+            <a:extLst>
+              <a:ext uri="{FF2B5EF4-FFF2-40B4-BE49-F238E27FC236}">
+                <a16:creationId xmlns:a16="http://schemas.microsoft.com/office/drawing/2014/main" xmlns="" id="{57944CEF-4E27-47CD-8A6F-628C113FC38C}"/>
+              </a:ext>
+            </a:extLst>
+          </p:cNvPr>
+          <p:cNvCxnSpPr>
+            <a:cxnSpLocks/>
+          </p:cNvCxnSpPr>
+          <p:nvPr/>
+        </p:nvCxnSpPr>
+        <p:spPr>
+          <a:xfrm flipV="1">
+            <a:off x="2818563" y="5449933"/>
+            <a:ext cx="11301" cy="420692"/>
+          </a:xfrm>
+          <a:prstGeom prst="line">
+            <a:avLst/>
+          </a:prstGeom>
+          <a:ln w="38100">
+            <a:solidFill>
+              <a:srgbClr val="336699"/>
+            </a:solidFill>
+          </a:ln>
+        </p:spPr>
+        <p:style>
+          <a:lnRef idx="1">
+            <a:schemeClr val="accent1"/>
+          </a:lnRef>
+          <a:fillRef idx="0">
+            <a:schemeClr val="accent1"/>
+          </a:fillRef>
+          <a:effectRef idx="0">
+            <a:schemeClr val="accent1"/>
+          </a:effectRef>
+          <a:fontRef idx="minor">
+            <a:schemeClr val="tx1"/>
+          </a:fontRef>
+        </p:style>
+      </p:cxnSp>
+      <p:cxnSp>
+        <p:nvCxnSpPr>
+          <p:cNvPr id="90" name="Conector recto 89">
+            <a:extLst>
+              <a:ext uri="{FF2B5EF4-FFF2-40B4-BE49-F238E27FC236}">
+                <a16:creationId xmlns:a16="http://schemas.microsoft.com/office/drawing/2014/main" xmlns="" id="{57944CEF-4E27-47CD-8A6F-628C113FC38C}"/>
+              </a:ext>
+            </a:extLst>
+          </p:cNvPr>
+          <p:cNvCxnSpPr>
+            <a:cxnSpLocks/>
+          </p:cNvCxnSpPr>
+          <p:nvPr/>
+        </p:nvCxnSpPr>
+        <p:spPr>
+          <a:xfrm>
+            <a:off x="381837" y="5870625"/>
+            <a:ext cx="2443003" cy="0"/>
+          </a:xfrm>
+          <a:prstGeom prst="line">
+            <a:avLst/>
+          </a:prstGeom>
+          <a:ln w="38100">
+            <a:solidFill>
+              <a:srgbClr val="336699"/>
+            </a:solidFill>
+          </a:ln>
+        </p:spPr>
+        <p:style>
+          <a:lnRef idx="1">
+            <a:schemeClr val="accent1"/>
+          </a:lnRef>
+          <a:fillRef idx="0">
+            <a:schemeClr val="accent1"/>
+          </a:fillRef>
+          <a:effectRef idx="0">
+            <a:schemeClr val="accent1"/>
+          </a:effectRef>
+          <a:fontRef idx="minor">
+            <a:schemeClr val="tx1"/>
+          </a:fontRef>
+        </p:style>
+      </p:cxnSp>
+      <p:cxnSp>
+        <p:nvCxnSpPr>
+          <p:cNvPr id="92" name="Conector recto 91">
+            <a:extLst>
+              <a:ext uri="{FF2B5EF4-FFF2-40B4-BE49-F238E27FC236}">
+                <a16:creationId xmlns:a16="http://schemas.microsoft.com/office/drawing/2014/main" xmlns="" id="{57944CEF-4E27-47CD-8A6F-628C113FC38C}"/>
+              </a:ext>
+            </a:extLst>
+          </p:cNvPr>
+          <p:cNvCxnSpPr>
+            <a:cxnSpLocks/>
+          </p:cNvCxnSpPr>
+          <p:nvPr/>
+        </p:nvCxnSpPr>
+        <p:spPr>
+          <a:xfrm flipV="1">
+            <a:off x="405346" y="104214"/>
+            <a:ext cx="1993" cy="5778641"/>
+          </a:xfrm>
+          <a:prstGeom prst="line">
+            <a:avLst/>
+          </a:prstGeom>
+          <a:ln w="38100">
+            <a:solidFill>
+              <a:srgbClr val="336699"/>
+            </a:solidFill>
+          </a:ln>
+        </p:spPr>
+        <p:style>
+          <a:lnRef idx="1">
+            <a:schemeClr val="accent1"/>
+          </a:lnRef>
+          <a:fillRef idx="0">
+            <a:schemeClr val="accent1"/>
+          </a:fillRef>
+          <a:effectRef idx="0">
+            <a:schemeClr val="accent1"/>
+          </a:effectRef>
+          <a:fontRef idx="minor">
+            <a:schemeClr val="tx1"/>
+          </a:fontRef>
+        </p:style>
+      </p:cxnSp>
+      <p:cxnSp>
+        <p:nvCxnSpPr>
+          <p:cNvPr id="94" name="Conector recto 93">
+            <a:extLst>
+              <a:ext uri="{FF2B5EF4-FFF2-40B4-BE49-F238E27FC236}">
+                <a16:creationId xmlns:a16="http://schemas.microsoft.com/office/drawing/2014/main" xmlns="" id="{57944CEF-4E27-47CD-8A6F-628C113FC38C}"/>
+              </a:ext>
+            </a:extLst>
+          </p:cNvPr>
+          <p:cNvCxnSpPr>
+            <a:cxnSpLocks/>
+          </p:cNvCxnSpPr>
+          <p:nvPr/>
+        </p:nvCxnSpPr>
+        <p:spPr>
+          <a:xfrm flipV="1">
+            <a:off x="391756" y="118874"/>
+            <a:ext cx="3431210" cy="3728"/>
+          </a:xfrm>
+          <a:prstGeom prst="line">
+            <a:avLst/>
+          </a:prstGeom>
+          <a:ln w="38100">
+            <a:solidFill>
+              <a:srgbClr val="336699"/>
+            </a:solidFill>
+          </a:ln>
+        </p:spPr>
+        <p:style>
+          <a:lnRef idx="1">
+            <a:schemeClr val="accent1"/>
+          </a:lnRef>
+          <a:fillRef idx="0">
+            <a:schemeClr val="accent1"/>
+          </a:fillRef>
+          <a:effectRef idx="0">
+            <a:schemeClr val="accent1"/>
+          </a:effectRef>
+          <a:fontRef idx="minor">
+            <a:schemeClr val="tx1"/>
+          </a:fontRef>
+        </p:style>
+      </p:cxnSp>
+      <p:cxnSp>
+        <p:nvCxnSpPr>
+          <p:cNvPr id="97" name="Conector recto 96">
+            <a:extLst>
+              <a:ext uri="{FF2B5EF4-FFF2-40B4-BE49-F238E27FC236}">
+                <a16:creationId xmlns:a16="http://schemas.microsoft.com/office/drawing/2014/main" xmlns="" id="{57944CEF-4E27-47CD-8A6F-628C113FC38C}"/>
+              </a:ext>
+            </a:extLst>
+          </p:cNvPr>
+          <p:cNvCxnSpPr>
+            <a:cxnSpLocks/>
+          </p:cNvCxnSpPr>
+          <p:nvPr/>
+        </p:nvCxnSpPr>
+        <p:spPr>
+          <a:xfrm flipV="1">
+            <a:off x="3800283" y="104214"/>
+            <a:ext cx="2334" cy="541983"/>
+          </a:xfrm>
+          <a:prstGeom prst="line">
+            <a:avLst/>
+          </a:prstGeom>
+          <a:ln w="38100">
+            <a:solidFill>
+              <a:srgbClr val="336699"/>
+            </a:solidFill>
+          </a:ln>
+        </p:spPr>
+        <p:style>
+          <a:lnRef idx="1">
+            <a:schemeClr val="accent1"/>
+          </a:lnRef>
+          <a:fillRef idx="0">
+            <a:schemeClr val="accent1"/>
+          </a:fillRef>
+          <a:effectRef idx="0">
+            <a:schemeClr val="accent1"/>
+          </a:effectRef>
+          <a:fontRef idx="minor">
+            <a:schemeClr val="tx1"/>
+          </a:fontRef>
+        </p:style>
+      </p:cxnSp>
+      <p:cxnSp>
+        <p:nvCxnSpPr>
+          <p:cNvPr id="100" name="Conector recto 99">
+            <a:extLst>
+              <a:ext uri="{FF2B5EF4-FFF2-40B4-BE49-F238E27FC236}">
+                <a16:creationId xmlns:a16="http://schemas.microsoft.com/office/drawing/2014/main" xmlns="" id="{57944CEF-4E27-47CD-8A6F-628C113FC38C}"/>
+              </a:ext>
+            </a:extLst>
+          </p:cNvPr>
+          <p:cNvCxnSpPr>
+            <a:cxnSpLocks/>
+          </p:cNvCxnSpPr>
+          <p:nvPr/>
+        </p:nvCxnSpPr>
+        <p:spPr>
+          <a:xfrm flipH="1" flipV="1">
+            <a:off x="3794746" y="646197"/>
+            <a:ext cx="375460" cy="4777"/>
+          </a:xfrm>
+          <a:prstGeom prst="line">
+            <a:avLst/>
+          </a:prstGeom>
+          <a:ln w="38100">
+            <a:solidFill>
+              <a:srgbClr val="336699"/>
+            </a:solidFill>
+          </a:ln>
+        </p:spPr>
+        <p:style>
+          <a:lnRef idx="1">
+            <a:schemeClr val="accent1"/>
+          </a:lnRef>
+          <a:fillRef idx="0">
+            <a:schemeClr val="accent1"/>
+          </a:fillRef>
+          <a:effectRef idx="0">
+            <a:schemeClr val="accent1"/>
+          </a:effectRef>
+          <a:fontRef idx="minor">
+            <a:schemeClr val="tx1"/>
+          </a:fontRef>
+        </p:style>
+      </p:cxnSp>
+      <p:cxnSp>
+        <p:nvCxnSpPr>
+          <p:cNvPr id="107" name="Conector recto 106">
+            <a:extLst>
+              <a:ext uri="{FF2B5EF4-FFF2-40B4-BE49-F238E27FC236}">
+                <a16:creationId xmlns:a16="http://schemas.microsoft.com/office/drawing/2014/main" xmlns="" id="{57944CEF-4E27-47CD-8A6F-628C113FC38C}"/>
+              </a:ext>
+            </a:extLst>
+          </p:cNvPr>
+          <p:cNvCxnSpPr>
+            <a:cxnSpLocks/>
+          </p:cNvCxnSpPr>
+          <p:nvPr/>
+        </p:nvCxnSpPr>
+        <p:spPr>
+          <a:xfrm flipV="1">
+            <a:off x="8023731" y="668986"/>
+            <a:ext cx="1041538" cy="1373"/>
+          </a:xfrm>
+          <a:prstGeom prst="line">
+            <a:avLst/>
+          </a:prstGeom>
+          <a:ln w="38100">
+            <a:solidFill>
+              <a:srgbClr val="000099"/>
+            </a:solidFill>
+          </a:ln>
+        </p:spPr>
+        <p:style>
+          <a:lnRef idx="1">
+            <a:schemeClr val="accent1"/>
+          </a:lnRef>
+          <a:fillRef idx="0">
+            <a:schemeClr val="accent1"/>
+          </a:fillRef>
+          <a:effectRef idx="0">
+            <a:schemeClr val="accent1"/>
+          </a:effectRef>
+          <a:fontRef idx="minor">
+            <a:schemeClr val="tx1"/>
+          </a:fontRef>
+        </p:style>
+      </p:cxnSp>
+      <p:cxnSp>
+        <p:nvCxnSpPr>
+          <p:cNvPr id="109" name="Conector recto 108">
+            <a:extLst>
+              <a:ext uri="{FF2B5EF4-FFF2-40B4-BE49-F238E27FC236}">
+                <a16:creationId xmlns:a16="http://schemas.microsoft.com/office/drawing/2014/main" xmlns="" id="{57944CEF-4E27-47CD-8A6F-628C113FC38C}"/>
+              </a:ext>
+            </a:extLst>
+          </p:cNvPr>
+          <p:cNvCxnSpPr>
+            <a:cxnSpLocks/>
+          </p:cNvCxnSpPr>
+          <p:nvPr/>
+        </p:nvCxnSpPr>
+        <p:spPr>
+          <a:xfrm>
+            <a:off x="9049446" y="649547"/>
+            <a:ext cx="46483" cy="4992911"/>
+          </a:xfrm>
+          <a:prstGeom prst="line">
+            <a:avLst/>
+          </a:prstGeom>
+          <a:ln w="38100">
+            <a:solidFill>
+              <a:srgbClr val="000099"/>
             </a:solidFill>
           </a:ln>
         </p:spPr>
